--- a/internet-security/dns-sec-5.pptx
+++ b/internet-security/dns-sec-5.pptx
@@ -5,19 +5,20 @@
     <p:sldMasterId id="2147483648" r:id="rId1"/>
   </p:sldMasterIdLst>
   <p:notesMasterIdLst>
-    <p:notesMasterId r:id="rId12"/>
+    <p:notesMasterId r:id="rId13"/>
   </p:notesMasterIdLst>
   <p:sldIdLst>
     <p:sldId id="257" r:id="rId2"/>
     <p:sldId id="385" r:id="rId3"/>
-    <p:sldId id="335" r:id="rId4"/>
-    <p:sldId id="337" r:id="rId5"/>
-    <p:sldId id="338" r:id="rId6"/>
-    <p:sldId id="339" r:id="rId7"/>
-    <p:sldId id="406" r:id="rId8"/>
-    <p:sldId id="386" r:id="rId9"/>
-    <p:sldId id="384" r:id="rId10"/>
-    <p:sldId id="407" r:id="rId11"/>
+    <p:sldId id="408" r:id="rId4"/>
+    <p:sldId id="335" r:id="rId5"/>
+    <p:sldId id="337" r:id="rId6"/>
+    <p:sldId id="338" r:id="rId7"/>
+    <p:sldId id="339" r:id="rId8"/>
+    <p:sldId id="406" r:id="rId9"/>
+    <p:sldId id="386" r:id="rId10"/>
+    <p:sldId id="384" r:id="rId11"/>
+    <p:sldId id="407" r:id="rId12"/>
   </p:sldIdLst>
   <p:sldSz cx="9144000" cy="6858000" type="screen4x3"/>
   <p:notesSz cx="6858000" cy="9144000"/>
@@ -217,7 +218,7 @@
           <a:p>
             <a:fld id="{2E1F205E-831A-E54F-A049-F1EEDA2CD3A2}" type="datetimeFigureOut">
               <a:rPr kumimoji="1" lang="zh-CN" altLang="en-US" smtClean="0"/>
-              <a:t>2020/10/7</a:t>
+              <a:t>2022/8/31</a:t>
             </a:fld>
             <a:endParaRPr kumimoji="1" lang="zh-CN" altLang="en-US"/>
           </a:p>
@@ -3254,7 +3255,7 @@
           <a:p>
             <a:fld id="{06EEA379-993E-574B-AC78-555753883A10}" type="datetimeFigureOut">
               <a:rPr kumimoji="1" lang="zh-CN" altLang="en-US" smtClean="0"/>
-              <a:t>2020/10/7</a:t>
+              <a:t>2022/8/31</a:t>
             </a:fld>
             <a:endParaRPr kumimoji="1" lang="zh-CN" altLang="en-US"/>
           </a:p>
@@ -5246,6 +5247,1725 @@
       </p:grpSpPr>
       <p:sp>
         <p:nvSpPr>
+          <p:cNvPr id="2" name="标题 1"/>
+          <p:cNvSpPr>
+            <a:spLocks noGrp="1"/>
+          </p:cNvSpPr>
+          <p:nvPr>
+            <p:ph type="title"/>
+          </p:nvPr>
+        </p:nvSpPr>
+        <p:spPr/>
+        <p:txBody>
+          <a:bodyPr/>
+          <a:lstStyle/>
+          <a:p>
+            <a:r>
+              <a:rPr kumimoji="1" lang="zh-CN" altLang="en-US" dirty="0"/>
+              <a:t>验证过程分析</a:t>
+            </a:r>
+            <a:r>
+              <a:rPr kumimoji="1" lang="zh-CN" altLang="zh-CN" dirty="0"/>
+              <a:t>：</a:t>
+            </a:r>
+            <a:r>
+              <a:rPr kumimoji="1" lang="zh-CN" altLang="en-US" dirty="0"/>
+              <a:t>根据</a:t>
+            </a:r>
+            <a:r>
+              <a:rPr kumimoji="1" lang="en-US" altLang="zh-CN" dirty="0"/>
+              <a:t>BIND</a:t>
+            </a:r>
+            <a:r>
+              <a:rPr kumimoji="1" lang="zh-CN" altLang="en-US" dirty="0"/>
+              <a:t>日志</a:t>
+            </a:r>
+          </a:p>
+        </p:txBody>
+      </p:sp>
+      <p:sp>
+        <p:nvSpPr>
+          <p:cNvPr id="3" name="内容占位符 2"/>
+          <p:cNvSpPr>
+            <a:spLocks noGrp="1"/>
+          </p:cNvSpPr>
+          <p:nvPr>
+            <p:ph idx="1"/>
+          </p:nvPr>
+        </p:nvSpPr>
+        <p:spPr/>
+        <p:txBody>
+          <a:bodyPr/>
+          <a:lstStyle/>
+          <a:p>
+            <a:pPr marL="0" indent="0">
+              <a:buNone/>
+            </a:pPr>
+            <a:r>
+              <a:rPr kumimoji="1" lang="zh-CN" altLang="en-US" sz="1800" dirty="0">
+                <a:solidFill>
+                  <a:srgbClr val="000000"/>
+                </a:solidFill>
+              </a:rPr>
+              <a:t>根据</a:t>
+            </a:r>
+            <a:r>
+              <a:rPr kumimoji="1" lang="en-US" altLang="zh-CN" sz="1800" dirty="0">
+                <a:solidFill>
+                  <a:srgbClr val="000000"/>
+                </a:solidFill>
+              </a:rPr>
+              <a:t>dig @127.0.0.1 +</a:t>
+            </a:r>
+            <a:r>
+              <a:rPr kumimoji="1" lang="en-US" altLang="zh-CN" sz="1800" dirty="0" err="1">
+                <a:solidFill>
+                  <a:srgbClr val="000000"/>
+                </a:solidFill>
+              </a:rPr>
+              <a:t>dnssec</a:t>
+            </a:r>
+            <a:r>
+              <a:rPr kumimoji="1" lang="en-US" altLang="zh-CN" sz="1800" dirty="0">
+                <a:solidFill>
+                  <a:srgbClr val="000000"/>
+                </a:solidFill>
+              </a:rPr>
+              <a:t> </a:t>
+            </a:r>
+            <a:r>
+              <a:rPr kumimoji="1" lang="en-US" altLang="zh-CN" sz="1800" dirty="0" err="1">
+                <a:solidFill>
+                  <a:srgbClr val="000000"/>
+                </a:solidFill>
+              </a:rPr>
+              <a:t>www.verisign.com</a:t>
+            </a:r>
+            <a:r>
+              <a:rPr kumimoji="1" lang="zh-CN" altLang="en-US" sz="1800" dirty="0">
+                <a:solidFill>
+                  <a:srgbClr val="000000"/>
+                </a:solidFill>
+              </a:rPr>
+              <a:t>产生的</a:t>
+            </a:r>
+            <a:r>
+              <a:rPr kumimoji="1" lang="en-US" altLang="zh-CN" sz="1800" dirty="0">
+                <a:solidFill>
+                  <a:srgbClr val="000000"/>
+                </a:solidFill>
+              </a:rPr>
+              <a:t>BIND</a:t>
+            </a:r>
+            <a:r>
+              <a:rPr kumimoji="1" lang="zh-CN" altLang="en-US" sz="1800" dirty="0">
+                <a:solidFill>
+                  <a:srgbClr val="000000"/>
+                </a:solidFill>
+              </a:rPr>
+              <a:t>日志</a:t>
+            </a:r>
+            <a:endParaRPr kumimoji="1" lang="en-US" altLang="zh-CN" sz="1800" dirty="0">
+              <a:solidFill>
+                <a:srgbClr val="000000"/>
+              </a:solidFill>
+            </a:endParaRPr>
+          </a:p>
+          <a:p>
+            <a:pPr marL="0" indent="0">
+              <a:buNone/>
+            </a:pPr>
+            <a:endParaRPr kumimoji="1" lang="en-US" altLang="zh-CN" sz="1400" dirty="0">
+              <a:solidFill>
+                <a:srgbClr val="3366FF"/>
+              </a:solidFill>
+            </a:endParaRPr>
+          </a:p>
+          <a:p>
+            <a:pPr marL="0" indent="0">
+              <a:buNone/>
+            </a:pPr>
+            <a:r>
+              <a:rPr kumimoji="1" lang="en-US" altLang="zh-CN" sz="1400" dirty="0">
+                <a:solidFill>
+                  <a:srgbClr val="3366FF"/>
+                </a:solidFill>
+              </a:rPr>
+              <a:t>validating @0xb5401378: </a:t>
+            </a:r>
+            <a:r>
+              <a:rPr kumimoji="1" lang="en-US" altLang="zh-CN" sz="1400" dirty="0" err="1">
+                <a:solidFill>
+                  <a:srgbClr val="3366FF"/>
+                </a:solidFill>
+              </a:rPr>
+              <a:t>www.verisign.com</a:t>
+            </a:r>
+            <a:r>
+              <a:rPr kumimoji="1" lang="en-US" altLang="zh-CN" sz="1400" dirty="0">
+                <a:solidFill>
+                  <a:srgbClr val="3366FF"/>
+                </a:solidFill>
+              </a:rPr>
+              <a:t> A(</a:t>
+            </a:r>
+            <a:r>
+              <a:rPr kumimoji="1" lang="zh-CN" altLang="en-US" sz="1400" dirty="0">
+                <a:solidFill>
+                  <a:srgbClr val="3366FF"/>
+                </a:solidFill>
+              </a:rPr>
+              <a:t>实际是</a:t>
+            </a:r>
+            <a:r>
+              <a:rPr kumimoji="1" lang="en-US" altLang="zh-CN" sz="1400" dirty="0">
+                <a:solidFill>
+                  <a:srgbClr val="3366FF"/>
+                </a:solidFill>
+              </a:rPr>
+              <a:t>CNAME): starting</a:t>
+            </a:r>
+          </a:p>
+          <a:p>
+            <a:pPr marL="0" indent="0">
+              <a:buNone/>
+            </a:pPr>
+            <a:r>
+              <a:rPr kumimoji="1" lang="en-US" altLang="zh-CN" sz="1400" dirty="0">
+                <a:solidFill>
+                  <a:srgbClr val="FF0000"/>
+                </a:solidFill>
+              </a:rPr>
+              <a:t>	validating @0xb5448a98: </a:t>
+            </a:r>
+            <a:r>
+              <a:rPr kumimoji="1" lang="en-US" altLang="zh-CN" sz="1400" dirty="0" err="1">
+                <a:solidFill>
+                  <a:srgbClr val="FF0000"/>
+                </a:solidFill>
+              </a:rPr>
+              <a:t>verisign.com</a:t>
+            </a:r>
+            <a:r>
+              <a:rPr kumimoji="1" lang="en-US" altLang="zh-CN" sz="1400" dirty="0">
+                <a:solidFill>
+                  <a:srgbClr val="FF0000"/>
+                </a:solidFill>
+              </a:rPr>
+              <a:t> DNSKEY: starting</a:t>
+            </a:r>
+          </a:p>
+          <a:p>
+            <a:pPr marL="0" indent="0">
+              <a:buNone/>
+            </a:pPr>
+            <a:r>
+              <a:rPr kumimoji="1" lang="en-US" altLang="zh-CN" sz="1400" dirty="0"/>
+              <a:t>		validating @0xb4bbf610: . NS: starting</a:t>
+            </a:r>
+          </a:p>
+          <a:p>
+            <a:pPr marL="0" indent="0">
+              <a:buNone/>
+            </a:pPr>
+            <a:r>
+              <a:rPr kumimoji="1" lang="en-US" altLang="zh-CN" sz="1400" dirty="0"/>
+              <a:t>		validating @0xb4bbf610: . NS: verify </a:t>
+            </a:r>
+            <a:r>
+              <a:rPr kumimoji="1" lang="en-US" altLang="zh-CN" sz="1400" dirty="0" err="1"/>
+              <a:t>rdataset</a:t>
+            </a:r>
+            <a:r>
+              <a:rPr kumimoji="1" lang="en-US" altLang="zh-CN" sz="1400" dirty="0"/>
+              <a:t> (</a:t>
+            </a:r>
+            <a:r>
+              <a:rPr kumimoji="1" lang="en-US" altLang="zh-CN" sz="1400" dirty="0" err="1"/>
+              <a:t>keyid</a:t>
+            </a:r>
+            <a:r>
+              <a:rPr kumimoji="1" lang="en-US" altLang="zh-CN" sz="1400" dirty="0"/>
+              <a:t>=16665): success</a:t>
+            </a:r>
+          </a:p>
+          <a:p>
+            <a:pPr marL="0" indent="0">
+              <a:buNone/>
+            </a:pPr>
+            <a:r>
+              <a:rPr kumimoji="1" lang="en-US" altLang="zh-CN" sz="1400" dirty="0">
+                <a:solidFill>
+                  <a:srgbClr val="008000"/>
+                </a:solidFill>
+              </a:rPr>
+              <a:t>		validating @0xb4bbf610: </a:t>
+            </a:r>
+            <a:r>
+              <a:rPr kumimoji="1" lang="en-US" altLang="zh-CN" sz="1400" dirty="0" err="1">
+                <a:solidFill>
+                  <a:srgbClr val="008000"/>
+                </a:solidFill>
+              </a:rPr>
+              <a:t>verisign.com</a:t>
+            </a:r>
+            <a:r>
+              <a:rPr kumimoji="1" lang="en-US" altLang="zh-CN" sz="1400" dirty="0">
+                <a:solidFill>
+                  <a:srgbClr val="008000"/>
+                </a:solidFill>
+              </a:rPr>
+              <a:t> DS: starting</a:t>
+            </a:r>
+          </a:p>
+          <a:p>
+            <a:pPr marL="0" indent="0">
+              <a:buNone/>
+            </a:pPr>
+            <a:r>
+              <a:rPr kumimoji="1" lang="en-US" altLang="zh-CN" sz="1400" dirty="0">
+                <a:solidFill>
+                  <a:schemeClr val="accent1"/>
+                </a:solidFill>
+              </a:rPr>
+              <a:t>			validating @0xb4bc0088: com DNSKEY: starting</a:t>
+            </a:r>
+          </a:p>
+          <a:p>
+            <a:pPr marL="0" indent="0">
+              <a:buNone/>
+            </a:pPr>
+            <a:r>
+              <a:rPr kumimoji="1" lang="en-US" altLang="zh-CN" sz="1400" dirty="0">
+                <a:solidFill>
+                  <a:schemeClr val="accent5"/>
+                </a:solidFill>
+              </a:rPr>
+              <a:t>				validating @0xb4bc0b00: com DS: starting</a:t>
+            </a:r>
+          </a:p>
+          <a:p>
+            <a:pPr marL="0" indent="0">
+              <a:buNone/>
+            </a:pPr>
+            <a:r>
+              <a:rPr kumimoji="1" lang="en-US" altLang="zh-CN" sz="1400" dirty="0">
+                <a:solidFill>
+                  <a:srgbClr val="DA5AF4"/>
+                </a:solidFill>
+              </a:rPr>
+              <a:t>				validating @0xb4bc0b00: com DS: verify </a:t>
+            </a:r>
+            <a:r>
+              <a:rPr kumimoji="1" lang="en-US" altLang="zh-CN" sz="1400" dirty="0" err="1">
+                <a:solidFill>
+                  <a:srgbClr val="DA5AF4"/>
+                </a:solidFill>
+              </a:rPr>
+              <a:t>rdataset</a:t>
+            </a:r>
+            <a:r>
+              <a:rPr kumimoji="1" lang="en-US" altLang="zh-CN" sz="1400" dirty="0">
+                <a:solidFill>
+                  <a:srgbClr val="DA5AF4"/>
+                </a:solidFill>
+              </a:rPr>
+              <a:t> (</a:t>
+            </a:r>
+            <a:r>
+              <a:rPr kumimoji="1" lang="en-US" altLang="zh-CN" sz="1400" dirty="0" err="1">
+                <a:solidFill>
+                  <a:srgbClr val="DA5AF4"/>
+                </a:solidFill>
+              </a:rPr>
+              <a:t>keyid</a:t>
+            </a:r>
+            <a:r>
+              <a:rPr kumimoji="1" lang="en-US" altLang="zh-CN" sz="1400" dirty="0">
+                <a:solidFill>
+                  <a:srgbClr val="DA5AF4"/>
+                </a:solidFill>
+              </a:rPr>
+              <a:t>=16665): success</a:t>
+            </a:r>
+          </a:p>
+          <a:p>
+            <a:pPr marL="0" indent="0">
+              <a:buNone/>
+            </a:pPr>
+            <a:r>
+              <a:rPr kumimoji="1" lang="en-US" altLang="zh-CN" sz="1400" dirty="0">
+                <a:solidFill>
+                  <a:srgbClr val="FF7F01"/>
+                </a:solidFill>
+              </a:rPr>
+              <a:t>			validating @0xb4bc0088: com DNSKEY: verify </a:t>
+            </a:r>
+            <a:r>
+              <a:rPr kumimoji="1" lang="en-US" altLang="zh-CN" sz="1400" dirty="0" err="1">
+                <a:solidFill>
+                  <a:srgbClr val="FF7F01"/>
+                </a:solidFill>
+              </a:rPr>
+              <a:t>rdataset</a:t>
+            </a:r>
+            <a:r>
+              <a:rPr kumimoji="1" lang="en-US" altLang="zh-CN" sz="1400" dirty="0">
+                <a:solidFill>
+                  <a:srgbClr val="FF7F01"/>
+                </a:solidFill>
+              </a:rPr>
+              <a:t> (</a:t>
+            </a:r>
+            <a:r>
+              <a:rPr kumimoji="1" lang="en-US" altLang="zh-CN" sz="1400" dirty="0" err="1">
+                <a:solidFill>
+                  <a:srgbClr val="FF7F01"/>
+                </a:solidFill>
+              </a:rPr>
+              <a:t>keyid</a:t>
+            </a:r>
+            <a:r>
+              <a:rPr kumimoji="1" lang="en-US" altLang="zh-CN" sz="1400" dirty="0">
+                <a:solidFill>
+                  <a:srgbClr val="FF7F01"/>
+                </a:solidFill>
+              </a:rPr>
+              <a:t>=30909): success</a:t>
+            </a:r>
+          </a:p>
+          <a:p>
+            <a:pPr marL="0" indent="0">
+              <a:buNone/>
+            </a:pPr>
+            <a:r>
+              <a:rPr kumimoji="1" lang="en-US" altLang="zh-CN" sz="1400" dirty="0">
+                <a:solidFill>
+                  <a:srgbClr val="008000"/>
+                </a:solidFill>
+              </a:rPr>
+              <a:t>		validating @0xb4bbf610: </a:t>
+            </a:r>
+            <a:r>
+              <a:rPr kumimoji="1" lang="en-US" altLang="zh-CN" sz="1400" dirty="0" err="1">
+                <a:solidFill>
+                  <a:srgbClr val="008000"/>
+                </a:solidFill>
+              </a:rPr>
+              <a:t>verisign.com</a:t>
+            </a:r>
+            <a:r>
+              <a:rPr kumimoji="1" lang="en-US" altLang="zh-CN" sz="1400" dirty="0">
+                <a:solidFill>
+                  <a:srgbClr val="008000"/>
+                </a:solidFill>
+              </a:rPr>
+              <a:t> DS: verify </a:t>
+            </a:r>
+            <a:r>
+              <a:rPr kumimoji="1" lang="en-US" altLang="zh-CN" sz="1400" dirty="0" err="1">
+                <a:solidFill>
+                  <a:srgbClr val="008000"/>
+                </a:solidFill>
+              </a:rPr>
+              <a:t>rdataset</a:t>
+            </a:r>
+            <a:r>
+              <a:rPr kumimoji="1" lang="en-US" altLang="zh-CN" sz="1400" dirty="0">
+                <a:solidFill>
+                  <a:srgbClr val="008000"/>
+                </a:solidFill>
+              </a:rPr>
+              <a:t> (</a:t>
+            </a:r>
+            <a:r>
+              <a:rPr kumimoji="1" lang="en-US" altLang="zh-CN" sz="1400" dirty="0" err="1">
+                <a:solidFill>
+                  <a:srgbClr val="008000"/>
+                </a:solidFill>
+              </a:rPr>
+              <a:t>keyid</a:t>
+            </a:r>
+            <a:r>
+              <a:rPr kumimoji="1" lang="en-US" altLang="zh-CN" sz="1400" dirty="0">
+                <a:solidFill>
+                  <a:srgbClr val="008000"/>
+                </a:solidFill>
+              </a:rPr>
+              <a:t>=13787): success</a:t>
+            </a:r>
+          </a:p>
+          <a:p>
+            <a:pPr marL="0" indent="0">
+              <a:buNone/>
+            </a:pPr>
+            <a:r>
+              <a:rPr kumimoji="1" lang="en-US" altLang="zh-CN" sz="1400" dirty="0">
+                <a:solidFill>
+                  <a:srgbClr val="FF0000"/>
+                </a:solidFill>
+              </a:rPr>
+              <a:t>	validating @0xb5448a98: </a:t>
+            </a:r>
+            <a:r>
+              <a:rPr kumimoji="1" lang="en-US" altLang="zh-CN" sz="1400" dirty="0" err="1">
+                <a:solidFill>
+                  <a:srgbClr val="FF0000"/>
+                </a:solidFill>
+              </a:rPr>
+              <a:t>verisign.com</a:t>
+            </a:r>
+            <a:r>
+              <a:rPr kumimoji="1" lang="en-US" altLang="zh-CN" sz="1400" dirty="0">
+                <a:solidFill>
+                  <a:srgbClr val="FF0000"/>
+                </a:solidFill>
+              </a:rPr>
+              <a:t> DNSKEY: verify </a:t>
+            </a:r>
+            <a:r>
+              <a:rPr kumimoji="1" lang="en-US" altLang="zh-CN" sz="1400" dirty="0" err="1">
+                <a:solidFill>
+                  <a:srgbClr val="FF0000"/>
+                </a:solidFill>
+              </a:rPr>
+              <a:t>rdataset</a:t>
+            </a:r>
+            <a:r>
+              <a:rPr kumimoji="1" lang="en-US" altLang="zh-CN" sz="1400" dirty="0">
+                <a:solidFill>
+                  <a:srgbClr val="FF0000"/>
+                </a:solidFill>
+              </a:rPr>
+              <a:t> (</a:t>
+            </a:r>
+            <a:r>
+              <a:rPr kumimoji="1" lang="en-US" altLang="zh-CN" sz="1400" dirty="0" err="1">
+                <a:solidFill>
+                  <a:srgbClr val="FF0000"/>
+                </a:solidFill>
+              </a:rPr>
+              <a:t>keyid</a:t>
+            </a:r>
+            <a:r>
+              <a:rPr kumimoji="1" lang="en-US" altLang="zh-CN" sz="1400" dirty="0">
+                <a:solidFill>
+                  <a:srgbClr val="FF0000"/>
+                </a:solidFill>
+              </a:rPr>
+              <a:t>=9186): success</a:t>
+            </a:r>
+          </a:p>
+          <a:p>
+            <a:pPr marL="0" indent="0">
+              <a:buNone/>
+            </a:pPr>
+            <a:r>
+              <a:rPr kumimoji="1" lang="en-US" altLang="zh-CN" sz="1400" dirty="0">
+                <a:solidFill>
+                  <a:srgbClr val="3366FF"/>
+                </a:solidFill>
+              </a:rPr>
+              <a:t>validating @0xb5401378: </a:t>
+            </a:r>
+            <a:r>
+              <a:rPr kumimoji="1" lang="en-US" altLang="zh-CN" sz="1400" dirty="0" err="1">
+                <a:solidFill>
+                  <a:srgbClr val="3366FF"/>
+                </a:solidFill>
+              </a:rPr>
+              <a:t>www.verisign.com</a:t>
+            </a:r>
+            <a:r>
+              <a:rPr kumimoji="1" lang="en-US" altLang="zh-CN" sz="1400" dirty="0">
+                <a:solidFill>
+                  <a:srgbClr val="3366FF"/>
+                </a:solidFill>
+              </a:rPr>
+              <a:t> A: verify </a:t>
+            </a:r>
+            <a:r>
+              <a:rPr kumimoji="1" lang="en-US" altLang="zh-CN" sz="1400" dirty="0" err="1">
+                <a:solidFill>
+                  <a:srgbClr val="3366FF"/>
+                </a:solidFill>
+              </a:rPr>
+              <a:t>rdataset</a:t>
+            </a:r>
+            <a:r>
+              <a:rPr kumimoji="1" lang="en-US" altLang="zh-CN" sz="1400" dirty="0">
+                <a:solidFill>
+                  <a:srgbClr val="3366FF"/>
+                </a:solidFill>
+              </a:rPr>
+              <a:t> (</a:t>
+            </a:r>
+            <a:r>
+              <a:rPr kumimoji="1" lang="en-US" altLang="zh-CN" sz="1400" dirty="0" err="1">
+                <a:solidFill>
+                  <a:srgbClr val="3366FF"/>
+                </a:solidFill>
+              </a:rPr>
+              <a:t>keyid</a:t>
+            </a:r>
+            <a:r>
+              <a:rPr kumimoji="1" lang="en-US" altLang="zh-CN" sz="1400" dirty="0">
+                <a:solidFill>
+                  <a:srgbClr val="3366FF"/>
+                </a:solidFill>
+              </a:rPr>
+              <a:t>=12632): success</a:t>
+            </a:r>
+          </a:p>
+          <a:p>
+            <a:pPr marL="0" indent="0">
+              <a:buNone/>
+            </a:pPr>
+            <a:endParaRPr kumimoji="1" lang="en-US" altLang="zh-CN" sz="1400" dirty="0">
+              <a:solidFill>
+                <a:srgbClr val="3366FF"/>
+              </a:solidFill>
+            </a:endParaRPr>
+          </a:p>
+          <a:p>
+            <a:pPr marL="0" indent="0">
+              <a:buNone/>
+            </a:pPr>
+            <a:r>
+              <a:rPr kumimoji="1" lang="zh-CN" altLang="en-US" sz="1800" dirty="0">
+                <a:solidFill>
+                  <a:srgbClr val="000000"/>
+                </a:solidFill>
+              </a:rPr>
+              <a:t>接着需要对</a:t>
+            </a:r>
+            <a:r>
+              <a:rPr kumimoji="1" lang="en-US" altLang="zh-CN" sz="1800" dirty="0">
+                <a:solidFill>
+                  <a:srgbClr val="000000"/>
+                </a:solidFill>
+              </a:rPr>
+              <a:t>www-</a:t>
+            </a:r>
+            <a:r>
+              <a:rPr kumimoji="1" lang="en-US" altLang="zh-CN" sz="1800" dirty="0" err="1">
+                <a:solidFill>
+                  <a:srgbClr val="000000"/>
+                </a:solidFill>
+              </a:rPr>
+              <a:t>ilg.verisign.net</a:t>
+            </a:r>
+            <a:r>
+              <a:rPr kumimoji="1" lang="en-US" altLang="zh-CN" sz="1800" dirty="0">
+                <a:solidFill>
+                  <a:srgbClr val="000000"/>
+                </a:solidFill>
+              </a:rPr>
+              <a:t> A</a:t>
+            </a:r>
+            <a:r>
+              <a:rPr kumimoji="1" lang="zh-CN" altLang="en-US" sz="1800" dirty="0">
+                <a:solidFill>
+                  <a:srgbClr val="000000"/>
+                </a:solidFill>
+              </a:rPr>
+              <a:t>验证，过程与上面类似</a:t>
+            </a:r>
+            <a:endParaRPr kumimoji="1" lang="en-US" altLang="zh-CN" sz="1800" dirty="0">
+              <a:solidFill>
+                <a:srgbClr val="000000"/>
+              </a:solidFill>
+            </a:endParaRPr>
+          </a:p>
+        </p:txBody>
+      </p:sp>
+      <p:sp>
+        <p:nvSpPr>
+          <p:cNvPr id="4" name="幻灯片编号占位符 3"/>
+          <p:cNvSpPr>
+            <a:spLocks noGrp="1"/>
+          </p:cNvSpPr>
+          <p:nvPr>
+            <p:ph type="sldNum" sz="quarter" idx="12"/>
+          </p:nvPr>
+        </p:nvSpPr>
+        <p:spPr/>
+        <p:txBody>
+          <a:bodyPr/>
+          <a:lstStyle/>
+          <a:p>
+            <a:fld id="{C835BB53-2BF5-C745-A0E3-3E773430534C}" type="slidenum">
+              <a:rPr kumimoji="1" lang="zh-CN" altLang="en-US" smtClean="0"/>
+              <a:pPr/>
+              <a:t>10</a:t>
+            </a:fld>
+            <a:endParaRPr kumimoji="1" lang="zh-CN" altLang="en-US" dirty="0"/>
+          </a:p>
+        </p:txBody>
+      </p:sp>
+      <p:cxnSp>
+        <p:nvCxnSpPr>
+          <p:cNvPr id="7" name="直线连接符 6"/>
+          <p:cNvCxnSpPr/>
+          <p:nvPr/>
+        </p:nvCxnSpPr>
+        <p:spPr>
+          <a:xfrm>
+            <a:off x="628316" y="2165684"/>
+            <a:ext cx="0" cy="3114842"/>
+          </a:xfrm>
+          <a:prstGeom prst="line">
+            <a:avLst/>
+          </a:prstGeom>
+          <a:ln w="57150" cmpd="sng">
+            <a:solidFill>
+              <a:srgbClr val="0000FF"/>
+            </a:solidFill>
+          </a:ln>
+          <a:effectLst/>
+        </p:spPr>
+        <p:style>
+          <a:lnRef idx="2">
+            <a:schemeClr val="accent1"/>
+          </a:lnRef>
+          <a:fillRef idx="0">
+            <a:schemeClr val="accent1"/>
+          </a:fillRef>
+          <a:effectRef idx="1">
+            <a:schemeClr val="accent1"/>
+          </a:effectRef>
+          <a:fontRef idx="minor">
+            <a:schemeClr val="tx1"/>
+          </a:fontRef>
+        </p:style>
+      </p:cxnSp>
+      <p:cxnSp>
+        <p:nvCxnSpPr>
+          <p:cNvPr id="8" name="直线连接符 7"/>
+          <p:cNvCxnSpPr/>
+          <p:nvPr/>
+        </p:nvCxnSpPr>
+        <p:spPr>
+          <a:xfrm>
+            <a:off x="1069474" y="2459789"/>
+            <a:ext cx="0" cy="2499895"/>
+          </a:xfrm>
+          <a:prstGeom prst="line">
+            <a:avLst/>
+          </a:prstGeom>
+          <a:ln w="57150" cmpd="sng">
+            <a:solidFill>
+              <a:srgbClr val="FF0000"/>
+            </a:solidFill>
+          </a:ln>
+          <a:effectLst/>
+        </p:spPr>
+        <p:style>
+          <a:lnRef idx="2">
+            <a:schemeClr val="accent1"/>
+          </a:lnRef>
+          <a:fillRef idx="0">
+            <a:schemeClr val="accent1"/>
+          </a:fillRef>
+          <a:effectRef idx="1">
+            <a:schemeClr val="accent1"/>
+          </a:effectRef>
+          <a:fontRef idx="minor">
+            <a:schemeClr val="tx1"/>
+          </a:fontRef>
+        </p:style>
+      </p:cxnSp>
+      <p:cxnSp>
+        <p:nvCxnSpPr>
+          <p:cNvPr id="11" name="直线连接符 10"/>
+          <p:cNvCxnSpPr/>
+          <p:nvPr/>
+        </p:nvCxnSpPr>
+        <p:spPr>
+          <a:xfrm>
+            <a:off x="1524000" y="3342105"/>
+            <a:ext cx="0" cy="1363579"/>
+          </a:xfrm>
+          <a:prstGeom prst="line">
+            <a:avLst/>
+          </a:prstGeom>
+          <a:ln w="57150" cmpd="sng">
+            <a:solidFill>
+              <a:srgbClr val="008000"/>
+            </a:solidFill>
+          </a:ln>
+          <a:effectLst/>
+        </p:spPr>
+        <p:style>
+          <a:lnRef idx="2">
+            <a:schemeClr val="accent1"/>
+          </a:lnRef>
+          <a:fillRef idx="0">
+            <a:schemeClr val="accent1"/>
+          </a:fillRef>
+          <a:effectRef idx="1">
+            <a:schemeClr val="accent1"/>
+          </a:effectRef>
+          <a:fontRef idx="minor">
+            <a:schemeClr val="tx1"/>
+          </a:fontRef>
+        </p:style>
+      </p:cxnSp>
+      <p:cxnSp>
+        <p:nvCxnSpPr>
+          <p:cNvPr id="14" name="直线连接符 13"/>
+          <p:cNvCxnSpPr/>
+          <p:nvPr/>
+        </p:nvCxnSpPr>
+        <p:spPr>
+          <a:xfrm>
+            <a:off x="1965158" y="3649579"/>
+            <a:ext cx="0" cy="721895"/>
+          </a:xfrm>
+          <a:prstGeom prst="line">
+            <a:avLst/>
+          </a:prstGeom>
+          <a:ln w="57150" cmpd="sng">
+            <a:solidFill>
+              <a:schemeClr val="accent1"/>
+            </a:solidFill>
+          </a:ln>
+          <a:effectLst/>
+        </p:spPr>
+        <p:style>
+          <a:lnRef idx="2">
+            <a:schemeClr val="accent1"/>
+          </a:lnRef>
+          <a:fillRef idx="0">
+            <a:schemeClr val="accent1"/>
+          </a:fillRef>
+          <a:effectRef idx="1">
+            <a:schemeClr val="accent1"/>
+          </a:effectRef>
+          <a:fontRef idx="minor">
+            <a:schemeClr val="tx1"/>
+          </a:fontRef>
+        </p:style>
+      </p:cxnSp>
+      <p:cxnSp>
+        <p:nvCxnSpPr>
+          <p:cNvPr id="17" name="直线连接符 16"/>
+          <p:cNvCxnSpPr/>
+          <p:nvPr/>
+        </p:nvCxnSpPr>
+        <p:spPr>
+          <a:xfrm flipH="1">
+            <a:off x="2446422" y="3930316"/>
+            <a:ext cx="1" cy="147052"/>
+          </a:xfrm>
+          <a:prstGeom prst="line">
+            <a:avLst/>
+          </a:prstGeom>
+          <a:ln w="57150" cmpd="sng">
+            <a:solidFill>
+              <a:schemeClr val="accent5"/>
+            </a:solidFill>
+          </a:ln>
+          <a:effectLst/>
+        </p:spPr>
+        <p:style>
+          <a:lnRef idx="2">
+            <a:schemeClr val="accent1"/>
+          </a:lnRef>
+          <a:fillRef idx="0">
+            <a:schemeClr val="accent1"/>
+          </a:fillRef>
+          <a:effectRef idx="1">
+            <a:schemeClr val="accent1"/>
+          </a:effectRef>
+          <a:fontRef idx="minor">
+            <a:schemeClr val="tx1"/>
+          </a:fontRef>
+        </p:style>
+      </p:cxnSp>
+      <p:sp>
+        <p:nvSpPr>
+          <p:cNvPr id="21" name="圆角矩形标注 20"/>
+          <p:cNvSpPr/>
+          <p:nvPr/>
+        </p:nvSpPr>
+        <p:spPr>
+          <a:xfrm>
+            <a:off x="6502401" y="3649578"/>
+            <a:ext cx="1037388" cy="280738"/>
+          </a:xfrm>
+          <a:prstGeom prst="wedgeRoundRectCallout">
+            <a:avLst>
+              <a:gd name="adj1" fmla="val -18758"/>
+              <a:gd name="adj2" fmla="val 78998"/>
+              <a:gd name="adj3" fmla="val 16667"/>
+            </a:avLst>
+          </a:prstGeom>
+          <a:noFill/>
+          <a:ln w="12700" cmpd="sng">
+            <a:solidFill>
+              <a:srgbClr val="0080FF"/>
+            </a:solidFill>
+          </a:ln>
+          <a:effectLst/>
+        </p:spPr>
+        <p:style>
+          <a:lnRef idx="1">
+            <a:schemeClr val="accent1"/>
+          </a:lnRef>
+          <a:fillRef idx="3">
+            <a:schemeClr val="accent1"/>
+          </a:fillRef>
+          <a:effectRef idx="2">
+            <a:schemeClr val="accent1"/>
+          </a:effectRef>
+          <a:fontRef idx="minor">
+            <a:schemeClr val="lt1"/>
+          </a:fontRef>
+        </p:style>
+        <p:txBody>
+          <a:bodyPr rtlCol="0" anchor="ctr"/>
+          <a:lstStyle/>
+          <a:p>
+            <a:pPr algn="ctr"/>
+            <a:r>
+              <a:rPr kumimoji="1" lang="en-US" altLang="zh-CN" sz="1400" dirty="0">
+                <a:solidFill>
+                  <a:srgbClr val="3366FF"/>
+                </a:solidFill>
+                <a:latin typeface="微软雅黑"/>
+                <a:ea typeface="微软雅黑"/>
+                <a:cs typeface="微软雅黑"/>
+              </a:rPr>
+              <a:t>root</a:t>
+            </a:r>
+            <a:r>
+              <a:rPr kumimoji="1" lang="zh-CN" altLang="en-US" sz="1400" dirty="0">
+                <a:solidFill>
+                  <a:srgbClr val="3366FF"/>
+                </a:solidFill>
+                <a:latin typeface="微软雅黑"/>
+                <a:ea typeface="微软雅黑"/>
+                <a:cs typeface="微软雅黑"/>
+              </a:rPr>
+              <a:t> </a:t>
+            </a:r>
+            <a:r>
+              <a:rPr kumimoji="1" lang="en-US" altLang="zh-CN" sz="1400" dirty="0">
+                <a:solidFill>
+                  <a:srgbClr val="3366FF"/>
+                </a:solidFill>
+                <a:latin typeface="微软雅黑"/>
+                <a:ea typeface="微软雅黑"/>
+                <a:cs typeface="微软雅黑"/>
+              </a:rPr>
+              <a:t>ZSK</a:t>
+            </a:r>
+          </a:p>
+        </p:txBody>
+      </p:sp>
+      <p:sp>
+        <p:nvSpPr>
+          <p:cNvPr id="22" name="圆角矩形标注 21"/>
+          <p:cNvSpPr/>
+          <p:nvPr/>
+        </p:nvSpPr>
+        <p:spPr>
+          <a:xfrm>
+            <a:off x="6061242" y="6215981"/>
+            <a:ext cx="1826125" cy="280738"/>
+          </a:xfrm>
+          <a:prstGeom prst="wedgeRoundRectCallout">
+            <a:avLst>
+              <a:gd name="adj1" fmla="val -24675"/>
+              <a:gd name="adj2" fmla="val -311477"/>
+              <a:gd name="adj3" fmla="val 16667"/>
+            </a:avLst>
+          </a:prstGeom>
+          <a:noFill/>
+          <a:ln w="12700" cmpd="sng">
+            <a:solidFill>
+              <a:srgbClr val="0080FF"/>
+            </a:solidFill>
+          </a:ln>
+          <a:effectLst/>
+        </p:spPr>
+        <p:style>
+          <a:lnRef idx="1">
+            <a:schemeClr val="accent1"/>
+          </a:lnRef>
+          <a:fillRef idx="3">
+            <a:schemeClr val="accent1"/>
+          </a:fillRef>
+          <a:effectRef idx="2">
+            <a:schemeClr val="accent1"/>
+          </a:effectRef>
+          <a:fontRef idx="minor">
+            <a:schemeClr val="lt1"/>
+          </a:fontRef>
+        </p:style>
+        <p:txBody>
+          <a:bodyPr rtlCol="0" anchor="ctr"/>
+          <a:lstStyle/>
+          <a:p>
+            <a:pPr algn="ctr"/>
+            <a:r>
+              <a:rPr kumimoji="1" lang="en-US" altLang="zh-CN" sz="1400" dirty="0" err="1">
+                <a:solidFill>
+                  <a:srgbClr val="3366FF"/>
+                </a:solidFill>
+                <a:latin typeface="微软雅黑"/>
+                <a:ea typeface="微软雅黑"/>
+                <a:cs typeface="微软雅黑"/>
+              </a:rPr>
+              <a:t>verisign</a:t>
+            </a:r>
+            <a:r>
+              <a:rPr kumimoji="1" lang="zh-CN" altLang="en-US" sz="1400" dirty="0">
+                <a:solidFill>
+                  <a:srgbClr val="3366FF"/>
+                </a:solidFill>
+                <a:latin typeface="微软雅黑"/>
+                <a:ea typeface="微软雅黑"/>
+                <a:cs typeface="微软雅黑"/>
+              </a:rPr>
+              <a:t>.</a:t>
+            </a:r>
+            <a:r>
+              <a:rPr kumimoji="1" lang="en-US" altLang="zh-CN" sz="1400" dirty="0">
+                <a:solidFill>
+                  <a:srgbClr val="3366FF"/>
+                </a:solidFill>
+                <a:latin typeface="微软雅黑"/>
+                <a:ea typeface="微软雅黑"/>
+                <a:cs typeface="微软雅黑"/>
+              </a:rPr>
+              <a:t>com</a:t>
+            </a:r>
+            <a:r>
+              <a:rPr kumimoji="1" lang="zh-CN" altLang="en-US" sz="1400" dirty="0">
+                <a:solidFill>
+                  <a:srgbClr val="3366FF"/>
+                </a:solidFill>
+                <a:latin typeface="微软雅黑"/>
+                <a:ea typeface="微软雅黑"/>
+                <a:cs typeface="微软雅黑"/>
+              </a:rPr>
+              <a:t> </a:t>
+            </a:r>
+            <a:r>
+              <a:rPr kumimoji="1" lang="en-US" altLang="zh-CN" sz="1400" dirty="0">
+                <a:solidFill>
+                  <a:srgbClr val="3366FF"/>
+                </a:solidFill>
+                <a:latin typeface="微软雅黑"/>
+                <a:ea typeface="微软雅黑"/>
+                <a:cs typeface="微软雅黑"/>
+              </a:rPr>
+              <a:t>ZSK</a:t>
+            </a:r>
+          </a:p>
+        </p:txBody>
+      </p:sp>
+      <p:sp>
+        <p:nvSpPr>
+          <p:cNvPr id="23" name="圆角矩形标注 22"/>
+          <p:cNvSpPr/>
+          <p:nvPr/>
+        </p:nvSpPr>
+        <p:spPr>
+          <a:xfrm>
+            <a:off x="8279063" y="4259173"/>
+            <a:ext cx="815474" cy="417097"/>
+          </a:xfrm>
+          <a:prstGeom prst="wedgeRoundRectCallout">
+            <a:avLst>
+              <a:gd name="adj1" fmla="val -148972"/>
+              <a:gd name="adj2" fmla="val 74969"/>
+              <a:gd name="adj3" fmla="val 16667"/>
+            </a:avLst>
+          </a:prstGeom>
+          <a:noFill/>
+          <a:ln w="12700" cmpd="sng">
+            <a:solidFill>
+              <a:srgbClr val="0080FF"/>
+            </a:solidFill>
+          </a:ln>
+          <a:effectLst/>
+        </p:spPr>
+        <p:style>
+          <a:lnRef idx="1">
+            <a:schemeClr val="accent1"/>
+          </a:lnRef>
+          <a:fillRef idx="3">
+            <a:schemeClr val="accent1"/>
+          </a:fillRef>
+          <a:effectRef idx="2">
+            <a:schemeClr val="accent1"/>
+          </a:effectRef>
+          <a:fontRef idx="minor">
+            <a:schemeClr val="lt1"/>
+          </a:fontRef>
+        </p:style>
+        <p:txBody>
+          <a:bodyPr rtlCol="0" anchor="ctr"/>
+          <a:lstStyle/>
+          <a:p>
+            <a:pPr algn="ctr"/>
+            <a:r>
+              <a:rPr kumimoji="1" lang="en-US" altLang="zh-CN" sz="1400" dirty="0">
+                <a:solidFill>
+                  <a:srgbClr val="3366FF"/>
+                </a:solidFill>
+                <a:latin typeface="微软雅黑"/>
+                <a:ea typeface="微软雅黑"/>
+                <a:cs typeface="微软雅黑"/>
+              </a:rPr>
+              <a:t>.com</a:t>
+            </a:r>
+            <a:r>
+              <a:rPr kumimoji="1" lang="zh-CN" altLang="en-US" sz="1400" dirty="0">
+                <a:solidFill>
+                  <a:srgbClr val="3366FF"/>
+                </a:solidFill>
+                <a:latin typeface="微软雅黑"/>
+                <a:ea typeface="微软雅黑"/>
+                <a:cs typeface="微软雅黑"/>
+              </a:rPr>
+              <a:t> </a:t>
+            </a:r>
+            <a:r>
+              <a:rPr kumimoji="1" lang="en-US" altLang="zh-CN" sz="1400" dirty="0">
+                <a:solidFill>
+                  <a:srgbClr val="3366FF"/>
+                </a:solidFill>
+                <a:latin typeface="微软雅黑"/>
+                <a:ea typeface="微软雅黑"/>
+                <a:cs typeface="微软雅黑"/>
+              </a:rPr>
+              <a:t>KSK</a:t>
+            </a:r>
+          </a:p>
+        </p:txBody>
+      </p:sp>
+      <p:sp>
+        <p:nvSpPr>
+          <p:cNvPr id="24" name="圆角矩形标注 23"/>
+          <p:cNvSpPr/>
+          <p:nvPr/>
+        </p:nvSpPr>
+        <p:spPr>
+          <a:xfrm>
+            <a:off x="8279063" y="3649578"/>
+            <a:ext cx="815474" cy="417097"/>
+          </a:xfrm>
+          <a:prstGeom prst="wedgeRoundRectCallout">
+            <a:avLst>
+              <a:gd name="adj1" fmla="val -139136"/>
+              <a:gd name="adj2" fmla="val 135866"/>
+              <a:gd name="adj3" fmla="val 16667"/>
+            </a:avLst>
+          </a:prstGeom>
+          <a:noFill/>
+          <a:ln w="12700" cmpd="sng">
+            <a:solidFill>
+              <a:srgbClr val="0080FF"/>
+            </a:solidFill>
+          </a:ln>
+          <a:effectLst/>
+        </p:spPr>
+        <p:style>
+          <a:lnRef idx="1">
+            <a:schemeClr val="accent1"/>
+          </a:lnRef>
+          <a:fillRef idx="3">
+            <a:schemeClr val="accent1"/>
+          </a:fillRef>
+          <a:effectRef idx="2">
+            <a:schemeClr val="accent1"/>
+          </a:effectRef>
+          <a:fontRef idx="minor">
+            <a:schemeClr val="lt1"/>
+          </a:fontRef>
+        </p:style>
+        <p:txBody>
+          <a:bodyPr rtlCol="0" anchor="ctr"/>
+          <a:lstStyle/>
+          <a:p>
+            <a:pPr algn="ctr"/>
+            <a:r>
+              <a:rPr kumimoji="1" lang="en-US" altLang="zh-CN" sz="1400" dirty="0">
+                <a:solidFill>
+                  <a:srgbClr val="3366FF"/>
+                </a:solidFill>
+                <a:latin typeface="微软雅黑"/>
+                <a:ea typeface="微软雅黑"/>
+                <a:cs typeface="微软雅黑"/>
+              </a:rPr>
+              <a:t>.com</a:t>
+            </a:r>
+            <a:r>
+              <a:rPr kumimoji="1" lang="zh-CN" altLang="en-US" sz="1400" dirty="0">
+                <a:solidFill>
+                  <a:srgbClr val="3366FF"/>
+                </a:solidFill>
+                <a:latin typeface="微软雅黑"/>
+                <a:ea typeface="微软雅黑"/>
+                <a:cs typeface="微软雅黑"/>
+              </a:rPr>
+              <a:t> </a:t>
+            </a:r>
+            <a:r>
+              <a:rPr kumimoji="1" lang="zh-CN" altLang="zh-CN" sz="1400" dirty="0">
+                <a:solidFill>
+                  <a:srgbClr val="3366FF"/>
+                </a:solidFill>
+                <a:latin typeface="微软雅黑"/>
+                <a:ea typeface="微软雅黑"/>
+                <a:cs typeface="微软雅黑"/>
+              </a:rPr>
+              <a:t>K</a:t>
+            </a:r>
+            <a:r>
+              <a:rPr kumimoji="1" lang="en-US" altLang="zh-CN" sz="1400" dirty="0">
+                <a:solidFill>
+                  <a:srgbClr val="3366FF"/>
+                </a:solidFill>
+                <a:latin typeface="微软雅黑"/>
+                <a:ea typeface="微软雅黑"/>
+                <a:cs typeface="微软雅黑"/>
+              </a:rPr>
+              <a:t>SK</a:t>
+            </a:r>
+          </a:p>
+        </p:txBody>
+      </p:sp>
+      <p:sp>
+        <p:nvSpPr>
+          <p:cNvPr id="25" name="圆角矩形标注 24"/>
+          <p:cNvSpPr/>
+          <p:nvPr/>
+        </p:nvSpPr>
+        <p:spPr>
+          <a:xfrm>
+            <a:off x="7372683" y="5601368"/>
+            <a:ext cx="1610896" cy="417097"/>
+          </a:xfrm>
+          <a:prstGeom prst="wedgeRoundRectCallout">
+            <a:avLst>
+              <a:gd name="adj1" fmla="val -58454"/>
+              <a:gd name="adj2" fmla="val -168620"/>
+              <a:gd name="adj3" fmla="val 16667"/>
+            </a:avLst>
+          </a:prstGeom>
+          <a:noFill/>
+          <a:ln w="12700" cmpd="sng">
+            <a:solidFill>
+              <a:srgbClr val="0080FF"/>
+            </a:solidFill>
+          </a:ln>
+          <a:effectLst/>
+        </p:spPr>
+        <p:style>
+          <a:lnRef idx="1">
+            <a:schemeClr val="accent1"/>
+          </a:lnRef>
+          <a:fillRef idx="3">
+            <a:schemeClr val="accent1"/>
+          </a:fillRef>
+          <a:effectRef idx="2">
+            <a:schemeClr val="accent1"/>
+          </a:effectRef>
+          <a:fontRef idx="minor">
+            <a:schemeClr val="lt1"/>
+          </a:fontRef>
+        </p:style>
+        <p:txBody>
+          <a:bodyPr rtlCol="0" anchor="ctr"/>
+          <a:lstStyle/>
+          <a:p>
+            <a:pPr algn="ctr"/>
+            <a:r>
+              <a:rPr kumimoji="1" lang="en-US" altLang="zh-CN" sz="1400" dirty="0">
+                <a:solidFill>
+                  <a:srgbClr val="3366FF"/>
+                </a:solidFill>
+                <a:latin typeface="微软雅黑"/>
+                <a:ea typeface="微软雅黑"/>
+                <a:cs typeface="微软雅黑"/>
+              </a:rPr>
+              <a:t>.</a:t>
+            </a:r>
+            <a:r>
+              <a:rPr kumimoji="1" lang="en-US" altLang="zh-CN" sz="1400" dirty="0" err="1">
+                <a:solidFill>
+                  <a:srgbClr val="3366FF"/>
+                </a:solidFill>
+                <a:latin typeface="微软雅黑"/>
+                <a:ea typeface="微软雅黑"/>
+                <a:cs typeface="微软雅黑"/>
+              </a:rPr>
+              <a:t>verisign</a:t>
+            </a:r>
+            <a:r>
+              <a:rPr kumimoji="1" lang="zh-CN" altLang="en-US" sz="1400" dirty="0">
+                <a:solidFill>
+                  <a:srgbClr val="3366FF"/>
+                </a:solidFill>
+                <a:latin typeface="微软雅黑"/>
+                <a:ea typeface="微软雅黑"/>
+                <a:cs typeface="微软雅黑"/>
+              </a:rPr>
+              <a:t>.</a:t>
+            </a:r>
+            <a:r>
+              <a:rPr kumimoji="1" lang="en-US" altLang="zh-CN" sz="1400" dirty="0">
+                <a:solidFill>
+                  <a:srgbClr val="3366FF"/>
+                </a:solidFill>
+                <a:latin typeface="微软雅黑"/>
+                <a:ea typeface="微软雅黑"/>
+                <a:cs typeface="微软雅黑"/>
+              </a:rPr>
+              <a:t>com</a:t>
+            </a:r>
+            <a:r>
+              <a:rPr kumimoji="1" lang="zh-CN" altLang="en-US" sz="1400" dirty="0">
+                <a:solidFill>
+                  <a:srgbClr val="3366FF"/>
+                </a:solidFill>
+                <a:latin typeface="微软雅黑"/>
+                <a:ea typeface="微软雅黑"/>
+                <a:cs typeface="微软雅黑"/>
+              </a:rPr>
+              <a:t> </a:t>
+            </a:r>
+            <a:r>
+              <a:rPr kumimoji="1" lang="en-US" altLang="zh-CN" sz="1400" dirty="0">
+                <a:solidFill>
+                  <a:srgbClr val="3366FF"/>
+                </a:solidFill>
+                <a:latin typeface="微软雅黑"/>
+                <a:ea typeface="微软雅黑"/>
+                <a:cs typeface="微软雅黑"/>
+              </a:rPr>
+              <a:t>KSK</a:t>
+            </a:r>
+          </a:p>
+        </p:txBody>
+      </p:sp>
+      <p:sp>
+        <p:nvSpPr>
+          <p:cNvPr id="26" name="圆角矩形标注 25"/>
+          <p:cNvSpPr/>
+          <p:nvPr/>
+        </p:nvSpPr>
+        <p:spPr>
+          <a:xfrm>
+            <a:off x="6553200" y="1701357"/>
+            <a:ext cx="2397876" cy="1136306"/>
+          </a:xfrm>
+          <a:prstGeom prst="wedgeRoundRectCallout">
+            <a:avLst>
+              <a:gd name="adj1" fmla="val -60756"/>
+              <a:gd name="adj2" fmla="val -4835"/>
+              <a:gd name="adj3" fmla="val 16667"/>
+            </a:avLst>
+          </a:prstGeom>
+          <a:noFill/>
+          <a:ln w="12700" cmpd="sng">
+            <a:solidFill>
+              <a:srgbClr val="0080FF"/>
+            </a:solidFill>
+          </a:ln>
+          <a:effectLst/>
+        </p:spPr>
+        <p:style>
+          <a:lnRef idx="1">
+            <a:schemeClr val="accent1"/>
+          </a:lnRef>
+          <a:fillRef idx="3">
+            <a:schemeClr val="accent1"/>
+          </a:fillRef>
+          <a:effectRef idx="2">
+            <a:schemeClr val="accent1"/>
+          </a:effectRef>
+          <a:fontRef idx="minor">
+            <a:schemeClr val="lt1"/>
+          </a:fontRef>
+        </p:style>
+        <p:txBody>
+          <a:bodyPr rtlCol="0" anchor="ctr"/>
+          <a:lstStyle/>
+          <a:p>
+            <a:r>
+              <a:rPr kumimoji="1" lang="zh-CN" altLang="en-US" sz="2400" dirty="0">
+                <a:solidFill>
+                  <a:srgbClr val="3366FF"/>
+                </a:solidFill>
+                <a:latin typeface="微软雅黑"/>
+                <a:ea typeface="微软雅黑"/>
+                <a:cs typeface="微软雅黑"/>
+              </a:rPr>
+              <a:t>可见验证过程是自顶向下的</a:t>
+            </a:r>
+            <a:r>
+              <a:rPr kumimoji="1" lang="en-US" altLang="zh-CN" sz="2400" dirty="0">
+                <a:solidFill>
+                  <a:srgbClr val="3366FF"/>
+                </a:solidFill>
+                <a:latin typeface="微软雅黑"/>
+                <a:ea typeface="微软雅黑"/>
+                <a:cs typeface="微软雅黑"/>
+              </a:rPr>
+              <a:t>(top-down)</a:t>
+            </a:r>
+          </a:p>
+        </p:txBody>
+      </p:sp>
+    </p:spTree>
+    <p:custDataLst>
+      <p:tags r:id="rId1"/>
+    </p:custDataLst>
+    <p:extLst>
+      <p:ext uri="{BB962C8B-B14F-4D97-AF65-F5344CB8AC3E}">
+        <p14:creationId xmlns:p14="http://schemas.microsoft.com/office/powerpoint/2010/main" val="1088301325"/>
+      </p:ext>
+    </p:extLst>
+  </p:cSld>
+  <p:clrMapOvr>
+    <a:masterClrMapping/>
+  </p:clrMapOvr>
+  <p:timing>
+    <p:tnLst>
+      <p:par>
+        <p:cTn id="1" dur="indefinite" restart="never" nodeType="tmRoot">
+          <p:childTnLst>
+            <p:seq concurrent="1" nextAc="seek">
+              <p:cTn id="2" dur="indefinite" nodeType="mainSeq">
+                <p:childTnLst>
+                  <p:par>
+                    <p:cTn id="3" fill="hold">
+                      <p:stCondLst>
+                        <p:cond delay="indefinite"/>
+                      </p:stCondLst>
+                      <p:childTnLst>
+                        <p:par>
+                          <p:cTn id="4" fill="hold">
+                            <p:stCondLst>
+                              <p:cond delay="0"/>
+                            </p:stCondLst>
+                            <p:childTnLst>
+                              <p:par>
+                                <p:cTn id="5" presetID="1" presetClass="entr" presetSubtype="0" fill="hold" grpId="0" nodeType="clickEffect">
+                                  <p:stCondLst>
+                                    <p:cond delay="0"/>
+                                  </p:stCondLst>
+                                  <p:childTnLst>
+                                    <p:set>
+                                      <p:cBhvr>
+                                        <p:cTn id="6" dur="1" fill="hold">
+                                          <p:stCondLst>
+                                            <p:cond delay="0"/>
+                                          </p:stCondLst>
+                                        </p:cTn>
+                                        <p:tgtEl>
+                                          <p:spTgt spid="21"/>
+                                        </p:tgtEl>
+                                        <p:attrNameLst>
+                                          <p:attrName>style.visibility</p:attrName>
+                                        </p:attrNameLst>
+                                      </p:cBhvr>
+                                      <p:to>
+                                        <p:strVal val="visible"/>
+                                      </p:to>
+                                    </p:set>
+                                  </p:childTnLst>
+                                </p:cTn>
+                              </p:par>
+                            </p:childTnLst>
+                          </p:cTn>
+                        </p:par>
+                      </p:childTnLst>
+                    </p:cTn>
+                  </p:par>
+                  <p:par>
+                    <p:cTn id="7" fill="hold">
+                      <p:stCondLst>
+                        <p:cond delay="indefinite"/>
+                      </p:stCondLst>
+                      <p:childTnLst>
+                        <p:par>
+                          <p:cTn id="8" fill="hold">
+                            <p:stCondLst>
+                              <p:cond delay="0"/>
+                            </p:stCondLst>
+                            <p:childTnLst>
+                              <p:par>
+                                <p:cTn id="9" presetID="1" presetClass="entr" presetSubtype="0" fill="hold" grpId="0" nodeType="clickEffect">
+                                  <p:stCondLst>
+                                    <p:cond delay="0"/>
+                                  </p:stCondLst>
+                                  <p:childTnLst>
+                                    <p:set>
+                                      <p:cBhvr>
+                                        <p:cTn id="10" dur="1" fill="hold">
+                                          <p:stCondLst>
+                                            <p:cond delay="0"/>
+                                          </p:stCondLst>
+                                        </p:cTn>
+                                        <p:tgtEl>
+                                          <p:spTgt spid="24"/>
+                                        </p:tgtEl>
+                                        <p:attrNameLst>
+                                          <p:attrName>style.visibility</p:attrName>
+                                        </p:attrNameLst>
+                                      </p:cBhvr>
+                                      <p:to>
+                                        <p:strVal val="visible"/>
+                                      </p:to>
+                                    </p:set>
+                                  </p:childTnLst>
+                                </p:cTn>
+                              </p:par>
+                            </p:childTnLst>
+                          </p:cTn>
+                        </p:par>
+                      </p:childTnLst>
+                    </p:cTn>
+                  </p:par>
+                  <p:par>
+                    <p:cTn id="11" fill="hold">
+                      <p:stCondLst>
+                        <p:cond delay="indefinite"/>
+                      </p:stCondLst>
+                      <p:childTnLst>
+                        <p:par>
+                          <p:cTn id="12" fill="hold">
+                            <p:stCondLst>
+                              <p:cond delay="0"/>
+                            </p:stCondLst>
+                            <p:childTnLst>
+                              <p:par>
+                                <p:cTn id="13" presetID="1" presetClass="entr" presetSubtype="0" fill="hold" grpId="0" nodeType="clickEffect">
+                                  <p:stCondLst>
+                                    <p:cond delay="0"/>
+                                  </p:stCondLst>
+                                  <p:childTnLst>
+                                    <p:set>
+                                      <p:cBhvr>
+                                        <p:cTn id="14" dur="1" fill="hold">
+                                          <p:stCondLst>
+                                            <p:cond delay="0"/>
+                                          </p:stCondLst>
+                                        </p:cTn>
+                                        <p:tgtEl>
+                                          <p:spTgt spid="23"/>
+                                        </p:tgtEl>
+                                        <p:attrNameLst>
+                                          <p:attrName>style.visibility</p:attrName>
+                                        </p:attrNameLst>
+                                      </p:cBhvr>
+                                      <p:to>
+                                        <p:strVal val="visible"/>
+                                      </p:to>
+                                    </p:set>
+                                  </p:childTnLst>
+                                </p:cTn>
+                              </p:par>
+                            </p:childTnLst>
+                          </p:cTn>
+                        </p:par>
+                      </p:childTnLst>
+                    </p:cTn>
+                  </p:par>
+                  <p:par>
+                    <p:cTn id="15" fill="hold">
+                      <p:stCondLst>
+                        <p:cond delay="indefinite"/>
+                      </p:stCondLst>
+                      <p:childTnLst>
+                        <p:par>
+                          <p:cTn id="16" fill="hold">
+                            <p:stCondLst>
+                              <p:cond delay="0"/>
+                            </p:stCondLst>
+                            <p:childTnLst>
+                              <p:par>
+                                <p:cTn id="17" presetID="1" presetClass="entr" presetSubtype="0" fill="hold" grpId="0" nodeType="clickEffect">
+                                  <p:stCondLst>
+                                    <p:cond delay="0"/>
+                                  </p:stCondLst>
+                                  <p:childTnLst>
+                                    <p:set>
+                                      <p:cBhvr>
+                                        <p:cTn id="18" dur="1" fill="hold">
+                                          <p:stCondLst>
+                                            <p:cond delay="0"/>
+                                          </p:stCondLst>
+                                        </p:cTn>
+                                        <p:tgtEl>
+                                          <p:spTgt spid="25"/>
+                                        </p:tgtEl>
+                                        <p:attrNameLst>
+                                          <p:attrName>style.visibility</p:attrName>
+                                        </p:attrNameLst>
+                                      </p:cBhvr>
+                                      <p:to>
+                                        <p:strVal val="visible"/>
+                                      </p:to>
+                                    </p:set>
+                                  </p:childTnLst>
+                                </p:cTn>
+                              </p:par>
+                            </p:childTnLst>
+                          </p:cTn>
+                        </p:par>
+                      </p:childTnLst>
+                    </p:cTn>
+                  </p:par>
+                  <p:par>
+                    <p:cTn id="19" fill="hold">
+                      <p:stCondLst>
+                        <p:cond delay="indefinite"/>
+                      </p:stCondLst>
+                      <p:childTnLst>
+                        <p:par>
+                          <p:cTn id="20" fill="hold">
+                            <p:stCondLst>
+                              <p:cond delay="0"/>
+                            </p:stCondLst>
+                            <p:childTnLst>
+                              <p:par>
+                                <p:cTn id="21" presetID="1" presetClass="entr" presetSubtype="0" fill="hold" grpId="0" nodeType="clickEffect">
+                                  <p:stCondLst>
+                                    <p:cond delay="0"/>
+                                  </p:stCondLst>
+                                  <p:childTnLst>
+                                    <p:set>
+                                      <p:cBhvr>
+                                        <p:cTn id="22" dur="1" fill="hold">
+                                          <p:stCondLst>
+                                            <p:cond delay="0"/>
+                                          </p:stCondLst>
+                                        </p:cTn>
+                                        <p:tgtEl>
+                                          <p:spTgt spid="22"/>
+                                        </p:tgtEl>
+                                        <p:attrNameLst>
+                                          <p:attrName>style.visibility</p:attrName>
+                                        </p:attrNameLst>
+                                      </p:cBhvr>
+                                      <p:to>
+                                        <p:strVal val="visible"/>
+                                      </p:to>
+                                    </p:set>
+                                  </p:childTnLst>
+                                </p:cTn>
+                              </p:par>
+                            </p:childTnLst>
+                          </p:cTn>
+                        </p:par>
+                      </p:childTnLst>
+                    </p:cTn>
+                  </p:par>
+                  <p:par>
+                    <p:cTn id="23" fill="hold">
+                      <p:stCondLst>
+                        <p:cond delay="indefinite"/>
+                      </p:stCondLst>
+                      <p:childTnLst>
+                        <p:par>
+                          <p:cTn id="24" fill="hold">
+                            <p:stCondLst>
+                              <p:cond delay="0"/>
+                            </p:stCondLst>
+                            <p:childTnLst>
+                              <p:par>
+                                <p:cTn id="25" presetID="1" presetClass="entr" presetSubtype="0" fill="hold" grpId="0" nodeType="clickEffect">
+                                  <p:stCondLst>
+                                    <p:cond delay="0"/>
+                                  </p:stCondLst>
+                                  <p:childTnLst>
+                                    <p:set>
+                                      <p:cBhvr>
+                                        <p:cTn id="26" dur="1" fill="hold">
+                                          <p:stCondLst>
+                                            <p:cond delay="0"/>
+                                          </p:stCondLst>
+                                        </p:cTn>
+                                        <p:tgtEl>
+                                          <p:spTgt spid="26"/>
+                                        </p:tgtEl>
+                                        <p:attrNameLst>
+                                          <p:attrName>style.visibility</p:attrName>
+                                        </p:attrNameLst>
+                                      </p:cBhvr>
+                                      <p:to>
+                                        <p:strVal val="visible"/>
+                                      </p:to>
+                                    </p:set>
+                                  </p:childTnLst>
+                                </p:cTn>
+                              </p:par>
+                            </p:childTnLst>
+                          </p:cTn>
+                        </p:par>
+                      </p:childTnLst>
+                    </p:cTn>
+                  </p:par>
+                </p:childTnLst>
+              </p:cTn>
+              <p:prevCondLst>
+                <p:cond evt="onPrev" delay="0">
+                  <p:tgtEl>
+                    <p:sldTgt/>
+                  </p:tgtEl>
+                </p:cond>
+              </p:prevCondLst>
+              <p:nextCondLst>
+                <p:cond evt="onNext" delay="0">
+                  <p:tgtEl>
+                    <p:sldTgt/>
+                  </p:tgtEl>
+                </p:cond>
+              </p:nextCondLst>
+            </p:seq>
+          </p:childTnLst>
+        </p:cTn>
+      </p:par>
+    </p:tnLst>
+    <p:bldLst>
+      <p:bldP spid="21" grpId="0" animBg="1"/>
+      <p:bldP spid="22" grpId="0" animBg="1"/>
+      <p:bldP spid="23" grpId="0" animBg="1"/>
+      <p:bldP spid="24" grpId="0" animBg="1"/>
+      <p:bldP spid="25" grpId="0" animBg="1"/>
+      <p:bldP spid="26" grpId="0" animBg="1"/>
+    </p:bldLst>
+  </p:timing>
+</p:sld>
+</file>
+
+<file path=ppt/slides/slide11.xml><?xml version="1.0" encoding="utf-8"?>
+<p:sld xmlns:a="http://schemas.openxmlformats.org/drawingml/2006/main" xmlns:r="http://schemas.openxmlformats.org/officeDocument/2006/relationships" xmlns:p="http://schemas.openxmlformats.org/presentationml/2006/main">
+  <p:cSld>
+    <p:spTree>
+      <p:nvGrpSpPr>
+        <p:cNvPr id="1" name=""/>
+        <p:cNvGrpSpPr/>
+        <p:nvPr/>
+      </p:nvGrpSpPr>
+      <p:grpSpPr>
+        <a:xfrm>
+          <a:off x="0" y="0"/>
+          <a:ext cx="0" cy="0"/>
+          <a:chOff x="0" y="0"/>
+          <a:chExt cx="0" cy="0"/>
+        </a:xfrm>
+      </p:grpSpPr>
+      <p:sp>
+        <p:nvSpPr>
           <p:cNvPr id="2" name="标题 1">
             <a:extLst>
               <a:ext uri="{FF2B5EF4-FFF2-40B4-BE49-F238E27FC236}">
@@ -5406,45 +7126,16 @@
                   <a:srgbClr val="007FFE"/>
                 </a:solidFill>
               </a:rPr>
-              <a:t>缺省行为）和“自底向上方式”两种方案有什么优缺点？</a:t>
-            </a:r>
-            <a:endParaRPr lang="en-US" altLang="zh-CN" dirty="0">
-              <a:solidFill>
-                <a:srgbClr val="007FFE"/>
-              </a:solidFill>
-            </a:endParaRPr>
-          </a:p>
-          <a:p>
-            <a:r>
-              <a:rPr lang="zh-CN" altLang="en-US" dirty="0">
+              <a:t>缺省行为）和“自底向上方式”两种方案有什么</a:t>
+            </a:r>
+            <a:r>
+              <a:rPr lang="zh-CN" altLang="en-US">
                 <a:solidFill>
                   <a:srgbClr val="007FFE"/>
                 </a:solidFill>
               </a:rPr>
-              <a:t>自底，发现问题的话，不用访问根</a:t>
-            </a:r>
-            <a:endParaRPr lang="en-US" altLang="zh-CN" dirty="0">
-              <a:solidFill>
-                <a:srgbClr val="007FFE"/>
-              </a:solidFill>
-            </a:endParaRPr>
-          </a:p>
-          <a:p>
-            <a:r>
-              <a:rPr lang="zh-CN" altLang="en-US">
-                <a:solidFill>
-                  <a:srgbClr val="007FFE"/>
-                </a:solidFill>
-              </a:rPr>
-              <a:t>自上，开发简单</a:t>
-            </a:r>
-            <a:endParaRPr lang="en-US" altLang="zh-CN" dirty="0">
-              <a:solidFill>
-                <a:srgbClr val="007FFE"/>
-              </a:solidFill>
-            </a:endParaRPr>
-          </a:p>
-          <a:p>
+              <a:t>优缺点？</a:t>
+            </a:r>
             <a:endParaRPr lang="en-US" altLang="zh-CN" dirty="0">
               <a:solidFill>
                 <a:srgbClr val="007FFE"/>
@@ -5494,7 +7185,7 @@
             <a:fld id="{C835BB53-2BF5-C745-A0E3-3E773430534C}" type="slidenum">
               <a:rPr kumimoji="1" lang="zh-CN" altLang="en-US" smtClean="0"/>
               <a:pPr/>
-              <a:t>10</a:t>
+              <a:t>11</a:t>
             </a:fld>
             <a:endParaRPr kumimoji="1" lang="zh-CN" altLang="en-US" dirty="0"/>
           </a:p>
@@ -10228,6 +11919,181 @@
       </p:grpSpPr>
       <p:sp>
         <p:nvSpPr>
+          <p:cNvPr id="2" name="Title 1">
+            <a:extLst>
+              <a:ext uri="{FF2B5EF4-FFF2-40B4-BE49-F238E27FC236}">
+                <a16:creationId xmlns:a16="http://schemas.microsoft.com/office/drawing/2014/main" id="{3122C093-9AF2-5AD7-8BED-5814DA1CEE42}"/>
+              </a:ext>
+            </a:extLst>
+          </p:cNvPr>
+          <p:cNvSpPr>
+            <a:spLocks noGrp="1"/>
+          </p:cNvSpPr>
+          <p:nvPr>
+            <p:ph type="title"/>
+          </p:nvPr>
+        </p:nvSpPr>
+        <p:spPr/>
+        <p:txBody>
+          <a:bodyPr/>
+          <a:lstStyle/>
+          <a:p>
+            <a:r>
+              <a:rPr lang="en-CN" dirty="0"/>
+              <a:t>例子</a:t>
+            </a:r>
+          </a:p>
+        </p:txBody>
+      </p:sp>
+      <p:sp>
+        <p:nvSpPr>
+          <p:cNvPr id="3" name="Content Placeholder 2">
+            <a:extLst>
+              <a:ext uri="{FF2B5EF4-FFF2-40B4-BE49-F238E27FC236}">
+                <a16:creationId xmlns:a16="http://schemas.microsoft.com/office/drawing/2014/main" id="{7AC4A572-F42B-F1F8-2364-06D446F7312C}"/>
+              </a:ext>
+            </a:extLst>
+          </p:cNvPr>
+          <p:cNvSpPr>
+            <a:spLocks noGrp="1"/>
+          </p:cNvSpPr>
+          <p:nvPr>
+            <p:ph idx="1"/>
+          </p:nvPr>
+        </p:nvSpPr>
+        <p:spPr/>
+        <p:txBody>
+          <a:bodyPr/>
+          <a:lstStyle/>
+          <a:p>
+            <a:r>
+              <a:rPr lang="en-US" sz="2000" dirty="0">
+                <a:hlinkClick r:id="rId2"/>
+              </a:rPr>
+              <a:t>一个DNSSEC验证失败的例子</a:t>
+            </a:r>
+            <a:r>
+              <a:rPr lang="zh-CN" altLang="en-US" sz="2000" dirty="0">
+                <a:hlinkClick r:id="rId2"/>
+              </a:rPr>
+              <a:t>：</a:t>
+            </a:r>
+            <a:endParaRPr lang="en-US" altLang="zh-CN" sz="2000" dirty="0">
+              <a:hlinkClick r:id="rId2"/>
+            </a:endParaRPr>
+          </a:p>
+          <a:p>
+            <a:r>
+              <a:rPr lang="en-US" sz="2000" dirty="0">
+                <a:hlinkClick r:id="rId2"/>
+              </a:rPr>
+              <a:t>https://dnssec-analyzer.verisignlabs.com/dnssec-failed.org</a:t>
+            </a:r>
+            <a:r>
+              <a:rPr lang="zh-CN" altLang="en-US" sz="2000" dirty="0"/>
+              <a:t> </a:t>
+            </a:r>
+            <a:endParaRPr lang="en-CN" sz="2000" dirty="0"/>
+          </a:p>
+        </p:txBody>
+      </p:sp>
+      <p:sp>
+        <p:nvSpPr>
+          <p:cNvPr id="4" name="Slide Number Placeholder 3">
+            <a:extLst>
+              <a:ext uri="{FF2B5EF4-FFF2-40B4-BE49-F238E27FC236}">
+                <a16:creationId xmlns:a16="http://schemas.microsoft.com/office/drawing/2014/main" id="{453473DC-62D2-2A91-E794-7B027B4B5808}"/>
+              </a:ext>
+            </a:extLst>
+          </p:cNvPr>
+          <p:cNvSpPr>
+            <a:spLocks noGrp="1"/>
+          </p:cNvSpPr>
+          <p:nvPr>
+            <p:ph type="sldNum" sz="quarter" idx="12"/>
+          </p:nvPr>
+        </p:nvSpPr>
+        <p:spPr/>
+        <p:txBody>
+          <a:bodyPr/>
+          <a:lstStyle/>
+          <a:p>
+            <a:fld id="{C835BB53-2BF5-C745-A0E3-3E773430534C}" type="slidenum">
+              <a:rPr kumimoji="1" lang="zh-CN" altLang="en-US" smtClean="0"/>
+              <a:pPr/>
+              <a:t>3</a:t>
+            </a:fld>
+            <a:endParaRPr kumimoji="1" lang="zh-CN" altLang="en-US" dirty="0"/>
+          </a:p>
+        </p:txBody>
+      </p:sp>
+      <p:pic>
+        <p:nvPicPr>
+          <p:cNvPr id="5" name="Picture 4">
+            <a:extLst>
+              <a:ext uri="{FF2B5EF4-FFF2-40B4-BE49-F238E27FC236}">
+                <a16:creationId xmlns:a16="http://schemas.microsoft.com/office/drawing/2014/main" id="{18D9519F-2BC7-2408-938F-2DACC3EE4A0E}"/>
+              </a:ext>
+            </a:extLst>
+          </p:cNvPr>
+          <p:cNvPicPr>
+            <a:picLocks noChangeAspect="1"/>
+          </p:cNvPicPr>
+          <p:nvPr/>
+        </p:nvPicPr>
+        <p:blipFill>
+          <a:blip r:embed="rId3"/>
+          <a:stretch>
+            <a:fillRect/>
+          </a:stretch>
+        </p:blipFill>
+        <p:spPr>
+          <a:xfrm>
+            <a:off x="1752601" y="2276946"/>
+            <a:ext cx="5867399" cy="4373879"/>
+          </a:xfrm>
+          <a:prstGeom prst="rect">
+            <a:avLst/>
+          </a:prstGeom>
+          <a:ln>
+            <a:solidFill>
+              <a:schemeClr val="accent1"/>
+            </a:solidFill>
+          </a:ln>
+        </p:spPr>
+      </p:pic>
+    </p:spTree>
+    <p:extLst>
+      <p:ext uri="{BB962C8B-B14F-4D97-AF65-F5344CB8AC3E}">
+        <p14:creationId xmlns:p14="http://schemas.microsoft.com/office/powerpoint/2010/main" val="651126253"/>
+      </p:ext>
+    </p:extLst>
+  </p:cSld>
+  <p:clrMapOvr>
+    <a:masterClrMapping/>
+  </p:clrMapOvr>
+</p:sld>
+</file>
+
+<file path=ppt/slides/slide4.xml><?xml version="1.0" encoding="utf-8"?>
+<p:sld xmlns:a="http://schemas.openxmlformats.org/drawingml/2006/main" xmlns:r="http://schemas.openxmlformats.org/officeDocument/2006/relationships" xmlns:p="http://schemas.openxmlformats.org/presentationml/2006/main">
+  <p:cSld>
+    <p:spTree>
+      <p:nvGrpSpPr>
+        <p:cNvPr id="1" name=""/>
+        <p:cNvGrpSpPr/>
+        <p:nvPr/>
+      </p:nvGrpSpPr>
+      <p:grpSpPr>
+        <a:xfrm>
+          <a:off x="0" y="0"/>
+          <a:ext cx="0" cy="0"/>
+          <a:chOff x="0" y="0"/>
+          <a:chExt cx="0" cy="0"/>
+        </a:xfrm>
+      </p:grpSpPr>
+      <p:sp>
+        <p:nvSpPr>
           <p:cNvPr id="2" name="标题 1"/>
           <p:cNvSpPr>
             <a:spLocks noGrp="1"/>
@@ -10694,7 +12560,7 @@
             <a:fld id="{C835BB53-2BF5-C745-A0E3-3E773430534C}" type="slidenum">
               <a:rPr kumimoji="1" lang="zh-CN" altLang="en-US" smtClean="0"/>
               <a:pPr/>
-              <a:t>3</a:t>
+              <a:t>4</a:t>
             </a:fld>
             <a:endParaRPr kumimoji="1" lang="zh-CN" altLang="en-US" dirty="0"/>
           </a:p>
@@ -12592,7 +14458,7 @@
 </p:sld>
 </file>
 
-<file path=ppt/slides/slide4.xml><?xml version="1.0" encoding="utf-8"?>
+<file path=ppt/slides/slide5.xml><?xml version="1.0" encoding="utf-8"?>
 <p:sld xmlns:a="http://schemas.openxmlformats.org/drawingml/2006/main" xmlns:r="http://schemas.openxmlformats.org/officeDocument/2006/relationships" xmlns:p="http://schemas.openxmlformats.org/presentationml/2006/main">
   <p:cSld>
     <p:spTree>
@@ -13027,7 +14893,7 @@
             <a:fld id="{C835BB53-2BF5-C745-A0E3-3E773430534C}" type="slidenum">
               <a:rPr kumimoji="1" lang="zh-CN" altLang="en-US" smtClean="0"/>
               <a:pPr/>
-              <a:t>4</a:t>
+              <a:t>5</a:t>
             </a:fld>
             <a:endParaRPr kumimoji="1" lang="zh-CN" altLang="en-US" dirty="0"/>
           </a:p>
@@ -15056,7 +16922,7 @@
 </p:sld>
 </file>
 
-<file path=ppt/slides/slide5.xml><?xml version="1.0" encoding="utf-8"?>
+<file path=ppt/slides/slide6.xml><?xml version="1.0" encoding="utf-8"?>
 <p:sld xmlns:a="http://schemas.openxmlformats.org/drawingml/2006/main" xmlns:r="http://schemas.openxmlformats.org/officeDocument/2006/relationships" xmlns:p="http://schemas.openxmlformats.org/presentationml/2006/main">
   <p:cSld>
     <p:spTree>
@@ -15670,7 +17536,7 @@
             <a:fld id="{C835BB53-2BF5-C745-A0E3-3E773430534C}" type="slidenum">
               <a:rPr kumimoji="1" lang="zh-CN" altLang="en-US" smtClean="0"/>
               <a:pPr/>
-              <a:t>5</a:t>
+              <a:t>6</a:t>
             </a:fld>
             <a:endParaRPr kumimoji="1" lang="zh-CN" altLang="en-US" dirty="0"/>
           </a:p>
@@ -16523,7 +18389,7 @@
 </p:sld>
 </file>
 
-<file path=ppt/slides/slide6.xml><?xml version="1.0" encoding="utf-8"?>
+<file path=ppt/slides/slide7.xml><?xml version="1.0" encoding="utf-8"?>
 <p:sld xmlns:a="http://schemas.openxmlformats.org/drawingml/2006/main" xmlns:r="http://schemas.openxmlformats.org/officeDocument/2006/relationships" xmlns:p="http://schemas.openxmlformats.org/presentationml/2006/main">
   <p:cSld>
     <p:spTree>
@@ -17097,7 +18963,7 @@
             <a:fld id="{C835BB53-2BF5-C745-A0E3-3E773430534C}" type="slidenum">
               <a:rPr kumimoji="1" lang="zh-CN" altLang="en-US" smtClean="0"/>
               <a:pPr/>
-              <a:t>6</a:t>
+              <a:t>7</a:t>
             </a:fld>
             <a:endParaRPr kumimoji="1" lang="zh-CN" altLang="en-US" dirty="0"/>
           </a:p>
@@ -18715,7 +20581,7 @@
 </p:sld>
 </file>
 
-<file path=ppt/slides/slide7.xml><?xml version="1.0" encoding="utf-8"?>
+<file path=ppt/slides/slide8.xml><?xml version="1.0" encoding="utf-8"?>
 <p:sld xmlns:a="http://schemas.openxmlformats.org/drawingml/2006/main" xmlns:r="http://schemas.openxmlformats.org/officeDocument/2006/relationships" xmlns:p="http://schemas.openxmlformats.org/presentationml/2006/main">
   <p:cSld>
     <p:spTree>
@@ -18780,7 +20646,7 @@
             <a:fld id="{C835BB53-2BF5-C745-A0E3-3E773430534C}" type="slidenum">
               <a:rPr kumimoji="1" lang="zh-CN" altLang="en-US" smtClean="0"/>
               <a:pPr/>
-              <a:t>7</a:t>
+              <a:t>8</a:t>
             </a:fld>
             <a:endParaRPr kumimoji="1" lang="zh-CN" altLang="en-US" dirty="0"/>
           </a:p>
@@ -18889,7 +20755,7 @@
 </p:sld>
 </file>
 
-<file path=ppt/slides/slide8.xml><?xml version="1.0" encoding="utf-8"?>
+<file path=ppt/slides/slide9.xml><?xml version="1.0" encoding="utf-8"?>
 <p:sld xmlns:a="http://schemas.openxmlformats.org/drawingml/2006/main" xmlns:r="http://schemas.openxmlformats.org/officeDocument/2006/relationships" xmlns:p="http://schemas.openxmlformats.org/presentationml/2006/main">
   <p:cSld>
     <p:spTree>
@@ -18995,7 +20861,7 @@
             <a:fld id="{C835BB53-2BF5-C745-A0E3-3E773430534C}" type="slidenum">
               <a:rPr kumimoji="1" lang="zh-CN" altLang="en-US" smtClean="0"/>
               <a:pPr/>
-              <a:t>8</a:t>
+              <a:t>9</a:t>
             </a:fld>
             <a:endParaRPr kumimoji="1" lang="zh-CN" altLang="en-US" dirty="0"/>
           </a:p>
@@ -22663,1725 +24529,6 @@
 </p:sld>
 </file>
 
-<file path=ppt/slides/slide9.xml><?xml version="1.0" encoding="utf-8"?>
-<p:sld xmlns:a="http://schemas.openxmlformats.org/drawingml/2006/main" xmlns:r="http://schemas.openxmlformats.org/officeDocument/2006/relationships" xmlns:p="http://schemas.openxmlformats.org/presentationml/2006/main">
-  <p:cSld>
-    <p:spTree>
-      <p:nvGrpSpPr>
-        <p:cNvPr id="1" name=""/>
-        <p:cNvGrpSpPr/>
-        <p:nvPr/>
-      </p:nvGrpSpPr>
-      <p:grpSpPr>
-        <a:xfrm>
-          <a:off x="0" y="0"/>
-          <a:ext cx="0" cy="0"/>
-          <a:chOff x="0" y="0"/>
-          <a:chExt cx="0" cy="0"/>
-        </a:xfrm>
-      </p:grpSpPr>
-      <p:sp>
-        <p:nvSpPr>
-          <p:cNvPr id="2" name="标题 1"/>
-          <p:cNvSpPr>
-            <a:spLocks noGrp="1"/>
-          </p:cNvSpPr>
-          <p:nvPr>
-            <p:ph type="title"/>
-          </p:nvPr>
-        </p:nvSpPr>
-        <p:spPr/>
-        <p:txBody>
-          <a:bodyPr/>
-          <a:lstStyle/>
-          <a:p>
-            <a:r>
-              <a:rPr kumimoji="1" lang="zh-CN" altLang="en-US" dirty="0"/>
-              <a:t>验证过程分析</a:t>
-            </a:r>
-            <a:r>
-              <a:rPr kumimoji="1" lang="zh-CN" altLang="zh-CN" dirty="0"/>
-              <a:t>：</a:t>
-            </a:r>
-            <a:r>
-              <a:rPr kumimoji="1" lang="zh-CN" altLang="en-US" dirty="0"/>
-              <a:t>根据</a:t>
-            </a:r>
-            <a:r>
-              <a:rPr kumimoji="1" lang="en-US" altLang="zh-CN" dirty="0"/>
-              <a:t>BIND</a:t>
-            </a:r>
-            <a:r>
-              <a:rPr kumimoji="1" lang="zh-CN" altLang="en-US" dirty="0"/>
-              <a:t>日志</a:t>
-            </a:r>
-          </a:p>
-        </p:txBody>
-      </p:sp>
-      <p:sp>
-        <p:nvSpPr>
-          <p:cNvPr id="3" name="内容占位符 2"/>
-          <p:cNvSpPr>
-            <a:spLocks noGrp="1"/>
-          </p:cNvSpPr>
-          <p:nvPr>
-            <p:ph idx="1"/>
-          </p:nvPr>
-        </p:nvSpPr>
-        <p:spPr/>
-        <p:txBody>
-          <a:bodyPr/>
-          <a:lstStyle/>
-          <a:p>
-            <a:pPr marL="0" indent="0">
-              <a:buNone/>
-            </a:pPr>
-            <a:r>
-              <a:rPr kumimoji="1" lang="zh-CN" altLang="en-US" sz="1800" dirty="0">
-                <a:solidFill>
-                  <a:srgbClr val="000000"/>
-                </a:solidFill>
-              </a:rPr>
-              <a:t>根据</a:t>
-            </a:r>
-            <a:r>
-              <a:rPr kumimoji="1" lang="en-US" altLang="zh-CN" sz="1800" dirty="0">
-                <a:solidFill>
-                  <a:srgbClr val="000000"/>
-                </a:solidFill>
-              </a:rPr>
-              <a:t>dig @127.0.0.1 +</a:t>
-            </a:r>
-            <a:r>
-              <a:rPr kumimoji="1" lang="en-US" altLang="zh-CN" sz="1800" dirty="0" err="1">
-                <a:solidFill>
-                  <a:srgbClr val="000000"/>
-                </a:solidFill>
-              </a:rPr>
-              <a:t>dnssec</a:t>
-            </a:r>
-            <a:r>
-              <a:rPr kumimoji="1" lang="en-US" altLang="zh-CN" sz="1800" dirty="0">
-                <a:solidFill>
-                  <a:srgbClr val="000000"/>
-                </a:solidFill>
-              </a:rPr>
-              <a:t> </a:t>
-            </a:r>
-            <a:r>
-              <a:rPr kumimoji="1" lang="en-US" altLang="zh-CN" sz="1800" dirty="0" err="1">
-                <a:solidFill>
-                  <a:srgbClr val="000000"/>
-                </a:solidFill>
-              </a:rPr>
-              <a:t>www.verisign.com</a:t>
-            </a:r>
-            <a:r>
-              <a:rPr kumimoji="1" lang="zh-CN" altLang="en-US" sz="1800" dirty="0">
-                <a:solidFill>
-                  <a:srgbClr val="000000"/>
-                </a:solidFill>
-              </a:rPr>
-              <a:t>产生的</a:t>
-            </a:r>
-            <a:r>
-              <a:rPr kumimoji="1" lang="en-US" altLang="zh-CN" sz="1800" dirty="0">
-                <a:solidFill>
-                  <a:srgbClr val="000000"/>
-                </a:solidFill>
-              </a:rPr>
-              <a:t>BIND</a:t>
-            </a:r>
-            <a:r>
-              <a:rPr kumimoji="1" lang="zh-CN" altLang="en-US" sz="1800" dirty="0">
-                <a:solidFill>
-                  <a:srgbClr val="000000"/>
-                </a:solidFill>
-              </a:rPr>
-              <a:t>日志</a:t>
-            </a:r>
-            <a:endParaRPr kumimoji="1" lang="en-US" altLang="zh-CN" sz="1800" dirty="0">
-              <a:solidFill>
-                <a:srgbClr val="000000"/>
-              </a:solidFill>
-            </a:endParaRPr>
-          </a:p>
-          <a:p>
-            <a:pPr marL="0" indent="0">
-              <a:buNone/>
-            </a:pPr>
-            <a:endParaRPr kumimoji="1" lang="en-US" altLang="zh-CN" sz="1400" dirty="0">
-              <a:solidFill>
-                <a:srgbClr val="3366FF"/>
-              </a:solidFill>
-            </a:endParaRPr>
-          </a:p>
-          <a:p>
-            <a:pPr marL="0" indent="0">
-              <a:buNone/>
-            </a:pPr>
-            <a:r>
-              <a:rPr kumimoji="1" lang="en-US" altLang="zh-CN" sz="1400" dirty="0">
-                <a:solidFill>
-                  <a:srgbClr val="3366FF"/>
-                </a:solidFill>
-              </a:rPr>
-              <a:t>validating @0xb5401378: </a:t>
-            </a:r>
-            <a:r>
-              <a:rPr kumimoji="1" lang="en-US" altLang="zh-CN" sz="1400" dirty="0" err="1">
-                <a:solidFill>
-                  <a:srgbClr val="3366FF"/>
-                </a:solidFill>
-              </a:rPr>
-              <a:t>www.verisign.com</a:t>
-            </a:r>
-            <a:r>
-              <a:rPr kumimoji="1" lang="en-US" altLang="zh-CN" sz="1400" dirty="0">
-                <a:solidFill>
-                  <a:srgbClr val="3366FF"/>
-                </a:solidFill>
-              </a:rPr>
-              <a:t> A(</a:t>
-            </a:r>
-            <a:r>
-              <a:rPr kumimoji="1" lang="zh-CN" altLang="en-US" sz="1400" dirty="0">
-                <a:solidFill>
-                  <a:srgbClr val="3366FF"/>
-                </a:solidFill>
-              </a:rPr>
-              <a:t>实际是</a:t>
-            </a:r>
-            <a:r>
-              <a:rPr kumimoji="1" lang="en-US" altLang="zh-CN" sz="1400" dirty="0">
-                <a:solidFill>
-                  <a:srgbClr val="3366FF"/>
-                </a:solidFill>
-              </a:rPr>
-              <a:t>CNAME): starting</a:t>
-            </a:r>
-          </a:p>
-          <a:p>
-            <a:pPr marL="0" indent="0">
-              <a:buNone/>
-            </a:pPr>
-            <a:r>
-              <a:rPr kumimoji="1" lang="en-US" altLang="zh-CN" sz="1400" dirty="0">
-                <a:solidFill>
-                  <a:srgbClr val="FF0000"/>
-                </a:solidFill>
-              </a:rPr>
-              <a:t>	validating @0xb5448a98: </a:t>
-            </a:r>
-            <a:r>
-              <a:rPr kumimoji="1" lang="en-US" altLang="zh-CN" sz="1400" dirty="0" err="1">
-                <a:solidFill>
-                  <a:srgbClr val="FF0000"/>
-                </a:solidFill>
-              </a:rPr>
-              <a:t>verisign.com</a:t>
-            </a:r>
-            <a:r>
-              <a:rPr kumimoji="1" lang="en-US" altLang="zh-CN" sz="1400" dirty="0">
-                <a:solidFill>
-                  <a:srgbClr val="FF0000"/>
-                </a:solidFill>
-              </a:rPr>
-              <a:t> DNSKEY: starting</a:t>
-            </a:r>
-          </a:p>
-          <a:p>
-            <a:pPr marL="0" indent="0">
-              <a:buNone/>
-            </a:pPr>
-            <a:r>
-              <a:rPr kumimoji="1" lang="en-US" altLang="zh-CN" sz="1400" dirty="0"/>
-              <a:t>		validating @0xb4bbf610: . NS: starting</a:t>
-            </a:r>
-          </a:p>
-          <a:p>
-            <a:pPr marL="0" indent="0">
-              <a:buNone/>
-            </a:pPr>
-            <a:r>
-              <a:rPr kumimoji="1" lang="en-US" altLang="zh-CN" sz="1400" dirty="0"/>
-              <a:t>		validating @0xb4bbf610: . NS: verify </a:t>
-            </a:r>
-            <a:r>
-              <a:rPr kumimoji="1" lang="en-US" altLang="zh-CN" sz="1400" dirty="0" err="1"/>
-              <a:t>rdataset</a:t>
-            </a:r>
-            <a:r>
-              <a:rPr kumimoji="1" lang="en-US" altLang="zh-CN" sz="1400" dirty="0"/>
-              <a:t> (</a:t>
-            </a:r>
-            <a:r>
-              <a:rPr kumimoji="1" lang="en-US" altLang="zh-CN" sz="1400" dirty="0" err="1"/>
-              <a:t>keyid</a:t>
-            </a:r>
-            <a:r>
-              <a:rPr kumimoji="1" lang="en-US" altLang="zh-CN" sz="1400" dirty="0"/>
-              <a:t>=16665): success</a:t>
-            </a:r>
-          </a:p>
-          <a:p>
-            <a:pPr marL="0" indent="0">
-              <a:buNone/>
-            </a:pPr>
-            <a:r>
-              <a:rPr kumimoji="1" lang="en-US" altLang="zh-CN" sz="1400" dirty="0">
-                <a:solidFill>
-                  <a:srgbClr val="008000"/>
-                </a:solidFill>
-              </a:rPr>
-              <a:t>		validating @0xb4bbf610: </a:t>
-            </a:r>
-            <a:r>
-              <a:rPr kumimoji="1" lang="en-US" altLang="zh-CN" sz="1400" dirty="0" err="1">
-                <a:solidFill>
-                  <a:srgbClr val="008000"/>
-                </a:solidFill>
-              </a:rPr>
-              <a:t>verisign.com</a:t>
-            </a:r>
-            <a:r>
-              <a:rPr kumimoji="1" lang="en-US" altLang="zh-CN" sz="1400" dirty="0">
-                <a:solidFill>
-                  <a:srgbClr val="008000"/>
-                </a:solidFill>
-              </a:rPr>
-              <a:t> DS: starting</a:t>
-            </a:r>
-          </a:p>
-          <a:p>
-            <a:pPr marL="0" indent="0">
-              <a:buNone/>
-            </a:pPr>
-            <a:r>
-              <a:rPr kumimoji="1" lang="en-US" altLang="zh-CN" sz="1400" dirty="0">
-                <a:solidFill>
-                  <a:schemeClr val="accent1"/>
-                </a:solidFill>
-              </a:rPr>
-              <a:t>			validating @0xb4bc0088: com DNSKEY: starting</a:t>
-            </a:r>
-          </a:p>
-          <a:p>
-            <a:pPr marL="0" indent="0">
-              <a:buNone/>
-            </a:pPr>
-            <a:r>
-              <a:rPr kumimoji="1" lang="en-US" altLang="zh-CN" sz="1400" dirty="0">
-                <a:solidFill>
-                  <a:schemeClr val="accent5"/>
-                </a:solidFill>
-              </a:rPr>
-              <a:t>				validating @0xb4bc0b00: com DS: starting</a:t>
-            </a:r>
-          </a:p>
-          <a:p>
-            <a:pPr marL="0" indent="0">
-              <a:buNone/>
-            </a:pPr>
-            <a:r>
-              <a:rPr kumimoji="1" lang="en-US" altLang="zh-CN" sz="1400" dirty="0">
-                <a:solidFill>
-                  <a:srgbClr val="DA5AF4"/>
-                </a:solidFill>
-              </a:rPr>
-              <a:t>				validating @0xb4bc0b00: com DS: verify </a:t>
-            </a:r>
-            <a:r>
-              <a:rPr kumimoji="1" lang="en-US" altLang="zh-CN" sz="1400" dirty="0" err="1">
-                <a:solidFill>
-                  <a:srgbClr val="DA5AF4"/>
-                </a:solidFill>
-              </a:rPr>
-              <a:t>rdataset</a:t>
-            </a:r>
-            <a:r>
-              <a:rPr kumimoji="1" lang="en-US" altLang="zh-CN" sz="1400" dirty="0">
-                <a:solidFill>
-                  <a:srgbClr val="DA5AF4"/>
-                </a:solidFill>
-              </a:rPr>
-              <a:t> (</a:t>
-            </a:r>
-            <a:r>
-              <a:rPr kumimoji="1" lang="en-US" altLang="zh-CN" sz="1400" dirty="0" err="1">
-                <a:solidFill>
-                  <a:srgbClr val="DA5AF4"/>
-                </a:solidFill>
-              </a:rPr>
-              <a:t>keyid</a:t>
-            </a:r>
-            <a:r>
-              <a:rPr kumimoji="1" lang="en-US" altLang="zh-CN" sz="1400" dirty="0">
-                <a:solidFill>
-                  <a:srgbClr val="DA5AF4"/>
-                </a:solidFill>
-              </a:rPr>
-              <a:t>=16665): success</a:t>
-            </a:r>
-          </a:p>
-          <a:p>
-            <a:pPr marL="0" indent="0">
-              <a:buNone/>
-            </a:pPr>
-            <a:r>
-              <a:rPr kumimoji="1" lang="en-US" altLang="zh-CN" sz="1400" dirty="0">
-                <a:solidFill>
-                  <a:srgbClr val="FF7F01"/>
-                </a:solidFill>
-              </a:rPr>
-              <a:t>			validating @0xb4bc0088: com DNSKEY: verify </a:t>
-            </a:r>
-            <a:r>
-              <a:rPr kumimoji="1" lang="en-US" altLang="zh-CN" sz="1400" dirty="0" err="1">
-                <a:solidFill>
-                  <a:srgbClr val="FF7F01"/>
-                </a:solidFill>
-              </a:rPr>
-              <a:t>rdataset</a:t>
-            </a:r>
-            <a:r>
-              <a:rPr kumimoji="1" lang="en-US" altLang="zh-CN" sz="1400" dirty="0">
-                <a:solidFill>
-                  <a:srgbClr val="FF7F01"/>
-                </a:solidFill>
-              </a:rPr>
-              <a:t> (</a:t>
-            </a:r>
-            <a:r>
-              <a:rPr kumimoji="1" lang="en-US" altLang="zh-CN" sz="1400" dirty="0" err="1">
-                <a:solidFill>
-                  <a:srgbClr val="FF7F01"/>
-                </a:solidFill>
-              </a:rPr>
-              <a:t>keyid</a:t>
-            </a:r>
-            <a:r>
-              <a:rPr kumimoji="1" lang="en-US" altLang="zh-CN" sz="1400" dirty="0">
-                <a:solidFill>
-                  <a:srgbClr val="FF7F01"/>
-                </a:solidFill>
-              </a:rPr>
-              <a:t>=30909): success</a:t>
-            </a:r>
-          </a:p>
-          <a:p>
-            <a:pPr marL="0" indent="0">
-              <a:buNone/>
-            </a:pPr>
-            <a:r>
-              <a:rPr kumimoji="1" lang="en-US" altLang="zh-CN" sz="1400" dirty="0">
-                <a:solidFill>
-                  <a:srgbClr val="008000"/>
-                </a:solidFill>
-              </a:rPr>
-              <a:t>		validating @0xb4bbf610: </a:t>
-            </a:r>
-            <a:r>
-              <a:rPr kumimoji="1" lang="en-US" altLang="zh-CN" sz="1400" dirty="0" err="1">
-                <a:solidFill>
-                  <a:srgbClr val="008000"/>
-                </a:solidFill>
-              </a:rPr>
-              <a:t>verisign.com</a:t>
-            </a:r>
-            <a:r>
-              <a:rPr kumimoji="1" lang="en-US" altLang="zh-CN" sz="1400" dirty="0">
-                <a:solidFill>
-                  <a:srgbClr val="008000"/>
-                </a:solidFill>
-              </a:rPr>
-              <a:t> DS: verify </a:t>
-            </a:r>
-            <a:r>
-              <a:rPr kumimoji="1" lang="en-US" altLang="zh-CN" sz="1400" dirty="0" err="1">
-                <a:solidFill>
-                  <a:srgbClr val="008000"/>
-                </a:solidFill>
-              </a:rPr>
-              <a:t>rdataset</a:t>
-            </a:r>
-            <a:r>
-              <a:rPr kumimoji="1" lang="en-US" altLang="zh-CN" sz="1400" dirty="0">
-                <a:solidFill>
-                  <a:srgbClr val="008000"/>
-                </a:solidFill>
-              </a:rPr>
-              <a:t> (</a:t>
-            </a:r>
-            <a:r>
-              <a:rPr kumimoji="1" lang="en-US" altLang="zh-CN" sz="1400" dirty="0" err="1">
-                <a:solidFill>
-                  <a:srgbClr val="008000"/>
-                </a:solidFill>
-              </a:rPr>
-              <a:t>keyid</a:t>
-            </a:r>
-            <a:r>
-              <a:rPr kumimoji="1" lang="en-US" altLang="zh-CN" sz="1400" dirty="0">
-                <a:solidFill>
-                  <a:srgbClr val="008000"/>
-                </a:solidFill>
-              </a:rPr>
-              <a:t>=13787): success</a:t>
-            </a:r>
-          </a:p>
-          <a:p>
-            <a:pPr marL="0" indent="0">
-              <a:buNone/>
-            </a:pPr>
-            <a:r>
-              <a:rPr kumimoji="1" lang="en-US" altLang="zh-CN" sz="1400" dirty="0">
-                <a:solidFill>
-                  <a:srgbClr val="FF0000"/>
-                </a:solidFill>
-              </a:rPr>
-              <a:t>	validating @0xb5448a98: </a:t>
-            </a:r>
-            <a:r>
-              <a:rPr kumimoji="1" lang="en-US" altLang="zh-CN" sz="1400" dirty="0" err="1">
-                <a:solidFill>
-                  <a:srgbClr val="FF0000"/>
-                </a:solidFill>
-              </a:rPr>
-              <a:t>verisign.com</a:t>
-            </a:r>
-            <a:r>
-              <a:rPr kumimoji="1" lang="en-US" altLang="zh-CN" sz="1400" dirty="0">
-                <a:solidFill>
-                  <a:srgbClr val="FF0000"/>
-                </a:solidFill>
-              </a:rPr>
-              <a:t> DNSKEY: verify </a:t>
-            </a:r>
-            <a:r>
-              <a:rPr kumimoji="1" lang="en-US" altLang="zh-CN" sz="1400" dirty="0" err="1">
-                <a:solidFill>
-                  <a:srgbClr val="FF0000"/>
-                </a:solidFill>
-              </a:rPr>
-              <a:t>rdataset</a:t>
-            </a:r>
-            <a:r>
-              <a:rPr kumimoji="1" lang="en-US" altLang="zh-CN" sz="1400" dirty="0">
-                <a:solidFill>
-                  <a:srgbClr val="FF0000"/>
-                </a:solidFill>
-              </a:rPr>
-              <a:t> (</a:t>
-            </a:r>
-            <a:r>
-              <a:rPr kumimoji="1" lang="en-US" altLang="zh-CN" sz="1400" dirty="0" err="1">
-                <a:solidFill>
-                  <a:srgbClr val="FF0000"/>
-                </a:solidFill>
-              </a:rPr>
-              <a:t>keyid</a:t>
-            </a:r>
-            <a:r>
-              <a:rPr kumimoji="1" lang="en-US" altLang="zh-CN" sz="1400" dirty="0">
-                <a:solidFill>
-                  <a:srgbClr val="FF0000"/>
-                </a:solidFill>
-              </a:rPr>
-              <a:t>=9186): success</a:t>
-            </a:r>
-          </a:p>
-          <a:p>
-            <a:pPr marL="0" indent="0">
-              <a:buNone/>
-            </a:pPr>
-            <a:r>
-              <a:rPr kumimoji="1" lang="en-US" altLang="zh-CN" sz="1400" dirty="0">
-                <a:solidFill>
-                  <a:srgbClr val="3366FF"/>
-                </a:solidFill>
-              </a:rPr>
-              <a:t>validating @0xb5401378: </a:t>
-            </a:r>
-            <a:r>
-              <a:rPr kumimoji="1" lang="en-US" altLang="zh-CN" sz="1400" dirty="0" err="1">
-                <a:solidFill>
-                  <a:srgbClr val="3366FF"/>
-                </a:solidFill>
-              </a:rPr>
-              <a:t>www.verisign.com</a:t>
-            </a:r>
-            <a:r>
-              <a:rPr kumimoji="1" lang="en-US" altLang="zh-CN" sz="1400" dirty="0">
-                <a:solidFill>
-                  <a:srgbClr val="3366FF"/>
-                </a:solidFill>
-              </a:rPr>
-              <a:t> A: verify </a:t>
-            </a:r>
-            <a:r>
-              <a:rPr kumimoji="1" lang="en-US" altLang="zh-CN" sz="1400" dirty="0" err="1">
-                <a:solidFill>
-                  <a:srgbClr val="3366FF"/>
-                </a:solidFill>
-              </a:rPr>
-              <a:t>rdataset</a:t>
-            </a:r>
-            <a:r>
-              <a:rPr kumimoji="1" lang="en-US" altLang="zh-CN" sz="1400" dirty="0">
-                <a:solidFill>
-                  <a:srgbClr val="3366FF"/>
-                </a:solidFill>
-              </a:rPr>
-              <a:t> (</a:t>
-            </a:r>
-            <a:r>
-              <a:rPr kumimoji="1" lang="en-US" altLang="zh-CN" sz="1400" dirty="0" err="1">
-                <a:solidFill>
-                  <a:srgbClr val="3366FF"/>
-                </a:solidFill>
-              </a:rPr>
-              <a:t>keyid</a:t>
-            </a:r>
-            <a:r>
-              <a:rPr kumimoji="1" lang="en-US" altLang="zh-CN" sz="1400" dirty="0">
-                <a:solidFill>
-                  <a:srgbClr val="3366FF"/>
-                </a:solidFill>
-              </a:rPr>
-              <a:t>=12632): success</a:t>
-            </a:r>
-          </a:p>
-          <a:p>
-            <a:pPr marL="0" indent="0">
-              <a:buNone/>
-            </a:pPr>
-            <a:endParaRPr kumimoji="1" lang="en-US" altLang="zh-CN" sz="1400" dirty="0">
-              <a:solidFill>
-                <a:srgbClr val="3366FF"/>
-              </a:solidFill>
-            </a:endParaRPr>
-          </a:p>
-          <a:p>
-            <a:pPr marL="0" indent="0">
-              <a:buNone/>
-            </a:pPr>
-            <a:r>
-              <a:rPr kumimoji="1" lang="zh-CN" altLang="en-US" sz="1800" dirty="0">
-                <a:solidFill>
-                  <a:srgbClr val="000000"/>
-                </a:solidFill>
-              </a:rPr>
-              <a:t>接着需要对</a:t>
-            </a:r>
-            <a:r>
-              <a:rPr kumimoji="1" lang="en-US" altLang="zh-CN" sz="1800" dirty="0">
-                <a:solidFill>
-                  <a:srgbClr val="000000"/>
-                </a:solidFill>
-              </a:rPr>
-              <a:t>www-</a:t>
-            </a:r>
-            <a:r>
-              <a:rPr kumimoji="1" lang="en-US" altLang="zh-CN" sz="1800" dirty="0" err="1">
-                <a:solidFill>
-                  <a:srgbClr val="000000"/>
-                </a:solidFill>
-              </a:rPr>
-              <a:t>ilg.verisign.net</a:t>
-            </a:r>
-            <a:r>
-              <a:rPr kumimoji="1" lang="en-US" altLang="zh-CN" sz="1800" dirty="0">
-                <a:solidFill>
-                  <a:srgbClr val="000000"/>
-                </a:solidFill>
-              </a:rPr>
-              <a:t> A</a:t>
-            </a:r>
-            <a:r>
-              <a:rPr kumimoji="1" lang="zh-CN" altLang="en-US" sz="1800" dirty="0">
-                <a:solidFill>
-                  <a:srgbClr val="000000"/>
-                </a:solidFill>
-              </a:rPr>
-              <a:t>验证，过程与上面类似</a:t>
-            </a:r>
-            <a:endParaRPr kumimoji="1" lang="en-US" altLang="zh-CN" sz="1800" dirty="0">
-              <a:solidFill>
-                <a:srgbClr val="000000"/>
-              </a:solidFill>
-            </a:endParaRPr>
-          </a:p>
-        </p:txBody>
-      </p:sp>
-      <p:sp>
-        <p:nvSpPr>
-          <p:cNvPr id="4" name="幻灯片编号占位符 3"/>
-          <p:cNvSpPr>
-            <a:spLocks noGrp="1"/>
-          </p:cNvSpPr>
-          <p:nvPr>
-            <p:ph type="sldNum" sz="quarter" idx="12"/>
-          </p:nvPr>
-        </p:nvSpPr>
-        <p:spPr/>
-        <p:txBody>
-          <a:bodyPr/>
-          <a:lstStyle/>
-          <a:p>
-            <a:fld id="{C835BB53-2BF5-C745-A0E3-3E773430534C}" type="slidenum">
-              <a:rPr kumimoji="1" lang="zh-CN" altLang="en-US" smtClean="0"/>
-              <a:pPr/>
-              <a:t>9</a:t>
-            </a:fld>
-            <a:endParaRPr kumimoji="1" lang="zh-CN" altLang="en-US" dirty="0"/>
-          </a:p>
-        </p:txBody>
-      </p:sp>
-      <p:cxnSp>
-        <p:nvCxnSpPr>
-          <p:cNvPr id="7" name="直线连接符 6"/>
-          <p:cNvCxnSpPr/>
-          <p:nvPr/>
-        </p:nvCxnSpPr>
-        <p:spPr>
-          <a:xfrm>
-            <a:off x="628316" y="2165684"/>
-            <a:ext cx="0" cy="3114842"/>
-          </a:xfrm>
-          <a:prstGeom prst="line">
-            <a:avLst/>
-          </a:prstGeom>
-          <a:ln w="57150" cmpd="sng">
-            <a:solidFill>
-              <a:srgbClr val="0000FF"/>
-            </a:solidFill>
-          </a:ln>
-          <a:effectLst/>
-        </p:spPr>
-        <p:style>
-          <a:lnRef idx="2">
-            <a:schemeClr val="accent1"/>
-          </a:lnRef>
-          <a:fillRef idx="0">
-            <a:schemeClr val="accent1"/>
-          </a:fillRef>
-          <a:effectRef idx="1">
-            <a:schemeClr val="accent1"/>
-          </a:effectRef>
-          <a:fontRef idx="minor">
-            <a:schemeClr val="tx1"/>
-          </a:fontRef>
-        </p:style>
-      </p:cxnSp>
-      <p:cxnSp>
-        <p:nvCxnSpPr>
-          <p:cNvPr id="8" name="直线连接符 7"/>
-          <p:cNvCxnSpPr/>
-          <p:nvPr/>
-        </p:nvCxnSpPr>
-        <p:spPr>
-          <a:xfrm>
-            <a:off x="1069474" y="2459789"/>
-            <a:ext cx="0" cy="2499895"/>
-          </a:xfrm>
-          <a:prstGeom prst="line">
-            <a:avLst/>
-          </a:prstGeom>
-          <a:ln w="57150" cmpd="sng">
-            <a:solidFill>
-              <a:srgbClr val="FF0000"/>
-            </a:solidFill>
-          </a:ln>
-          <a:effectLst/>
-        </p:spPr>
-        <p:style>
-          <a:lnRef idx="2">
-            <a:schemeClr val="accent1"/>
-          </a:lnRef>
-          <a:fillRef idx="0">
-            <a:schemeClr val="accent1"/>
-          </a:fillRef>
-          <a:effectRef idx="1">
-            <a:schemeClr val="accent1"/>
-          </a:effectRef>
-          <a:fontRef idx="minor">
-            <a:schemeClr val="tx1"/>
-          </a:fontRef>
-        </p:style>
-      </p:cxnSp>
-      <p:cxnSp>
-        <p:nvCxnSpPr>
-          <p:cNvPr id="11" name="直线连接符 10"/>
-          <p:cNvCxnSpPr/>
-          <p:nvPr/>
-        </p:nvCxnSpPr>
-        <p:spPr>
-          <a:xfrm>
-            <a:off x="1524000" y="3342105"/>
-            <a:ext cx="0" cy="1363579"/>
-          </a:xfrm>
-          <a:prstGeom prst="line">
-            <a:avLst/>
-          </a:prstGeom>
-          <a:ln w="57150" cmpd="sng">
-            <a:solidFill>
-              <a:srgbClr val="008000"/>
-            </a:solidFill>
-          </a:ln>
-          <a:effectLst/>
-        </p:spPr>
-        <p:style>
-          <a:lnRef idx="2">
-            <a:schemeClr val="accent1"/>
-          </a:lnRef>
-          <a:fillRef idx="0">
-            <a:schemeClr val="accent1"/>
-          </a:fillRef>
-          <a:effectRef idx="1">
-            <a:schemeClr val="accent1"/>
-          </a:effectRef>
-          <a:fontRef idx="minor">
-            <a:schemeClr val="tx1"/>
-          </a:fontRef>
-        </p:style>
-      </p:cxnSp>
-      <p:cxnSp>
-        <p:nvCxnSpPr>
-          <p:cNvPr id="14" name="直线连接符 13"/>
-          <p:cNvCxnSpPr/>
-          <p:nvPr/>
-        </p:nvCxnSpPr>
-        <p:spPr>
-          <a:xfrm>
-            <a:off x="1965158" y="3649579"/>
-            <a:ext cx="0" cy="721895"/>
-          </a:xfrm>
-          <a:prstGeom prst="line">
-            <a:avLst/>
-          </a:prstGeom>
-          <a:ln w="57150" cmpd="sng">
-            <a:solidFill>
-              <a:schemeClr val="accent1"/>
-            </a:solidFill>
-          </a:ln>
-          <a:effectLst/>
-        </p:spPr>
-        <p:style>
-          <a:lnRef idx="2">
-            <a:schemeClr val="accent1"/>
-          </a:lnRef>
-          <a:fillRef idx="0">
-            <a:schemeClr val="accent1"/>
-          </a:fillRef>
-          <a:effectRef idx="1">
-            <a:schemeClr val="accent1"/>
-          </a:effectRef>
-          <a:fontRef idx="minor">
-            <a:schemeClr val="tx1"/>
-          </a:fontRef>
-        </p:style>
-      </p:cxnSp>
-      <p:cxnSp>
-        <p:nvCxnSpPr>
-          <p:cNvPr id="17" name="直线连接符 16"/>
-          <p:cNvCxnSpPr/>
-          <p:nvPr/>
-        </p:nvCxnSpPr>
-        <p:spPr>
-          <a:xfrm flipH="1">
-            <a:off x="2446422" y="3930316"/>
-            <a:ext cx="1" cy="147052"/>
-          </a:xfrm>
-          <a:prstGeom prst="line">
-            <a:avLst/>
-          </a:prstGeom>
-          <a:ln w="57150" cmpd="sng">
-            <a:solidFill>
-              <a:schemeClr val="accent5"/>
-            </a:solidFill>
-          </a:ln>
-          <a:effectLst/>
-        </p:spPr>
-        <p:style>
-          <a:lnRef idx="2">
-            <a:schemeClr val="accent1"/>
-          </a:lnRef>
-          <a:fillRef idx="0">
-            <a:schemeClr val="accent1"/>
-          </a:fillRef>
-          <a:effectRef idx="1">
-            <a:schemeClr val="accent1"/>
-          </a:effectRef>
-          <a:fontRef idx="minor">
-            <a:schemeClr val="tx1"/>
-          </a:fontRef>
-        </p:style>
-      </p:cxnSp>
-      <p:sp>
-        <p:nvSpPr>
-          <p:cNvPr id="21" name="圆角矩形标注 20"/>
-          <p:cNvSpPr/>
-          <p:nvPr/>
-        </p:nvSpPr>
-        <p:spPr>
-          <a:xfrm>
-            <a:off x="6502401" y="3649578"/>
-            <a:ext cx="1037388" cy="280738"/>
-          </a:xfrm>
-          <a:prstGeom prst="wedgeRoundRectCallout">
-            <a:avLst>
-              <a:gd name="adj1" fmla="val -18758"/>
-              <a:gd name="adj2" fmla="val 78998"/>
-              <a:gd name="adj3" fmla="val 16667"/>
-            </a:avLst>
-          </a:prstGeom>
-          <a:noFill/>
-          <a:ln w="12700" cmpd="sng">
-            <a:solidFill>
-              <a:srgbClr val="0080FF"/>
-            </a:solidFill>
-          </a:ln>
-          <a:effectLst/>
-        </p:spPr>
-        <p:style>
-          <a:lnRef idx="1">
-            <a:schemeClr val="accent1"/>
-          </a:lnRef>
-          <a:fillRef idx="3">
-            <a:schemeClr val="accent1"/>
-          </a:fillRef>
-          <a:effectRef idx="2">
-            <a:schemeClr val="accent1"/>
-          </a:effectRef>
-          <a:fontRef idx="minor">
-            <a:schemeClr val="lt1"/>
-          </a:fontRef>
-        </p:style>
-        <p:txBody>
-          <a:bodyPr rtlCol="0" anchor="ctr"/>
-          <a:lstStyle/>
-          <a:p>
-            <a:pPr algn="ctr"/>
-            <a:r>
-              <a:rPr kumimoji="1" lang="en-US" altLang="zh-CN" sz="1400" dirty="0">
-                <a:solidFill>
-                  <a:srgbClr val="3366FF"/>
-                </a:solidFill>
-                <a:latin typeface="微软雅黑"/>
-                <a:ea typeface="微软雅黑"/>
-                <a:cs typeface="微软雅黑"/>
-              </a:rPr>
-              <a:t>root</a:t>
-            </a:r>
-            <a:r>
-              <a:rPr kumimoji="1" lang="zh-CN" altLang="en-US" sz="1400" dirty="0">
-                <a:solidFill>
-                  <a:srgbClr val="3366FF"/>
-                </a:solidFill>
-                <a:latin typeface="微软雅黑"/>
-                <a:ea typeface="微软雅黑"/>
-                <a:cs typeface="微软雅黑"/>
-              </a:rPr>
-              <a:t> </a:t>
-            </a:r>
-            <a:r>
-              <a:rPr kumimoji="1" lang="en-US" altLang="zh-CN" sz="1400" dirty="0">
-                <a:solidFill>
-                  <a:srgbClr val="3366FF"/>
-                </a:solidFill>
-                <a:latin typeface="微软雅黑"/>
-                <a:ea typeface="微软雅黑"/>
-                <a:cs typeface="微软雅黑"/>
-              </a:rPr>
-              <a:t>ZSK</a:t>
-            </a:r>
-          </a:p>
-        </p:txBody>
-      </p:sp>
-      <p:sp>
-        <p:nvSpPr>
-          <p:cNvPr id="22" name="圆角矩形标注 21"/>
-          <p:cNvSpPr/>
-          <p:nvPr/>
-        </p:nvSpPr>
-        <p:spPr>
-          <a:xfrm>
-            <a:off x="6061242" y="6215981"/>
-            <a:ext cx="1826125" cy="280738"/>
-          </a:xfrm>
-          <a:prstGeom prst="wedgeRoundRectCallout">
-            <a:avLst>
-              <a:gd name="adj1" fmla="val -24675"/>
-              <a:gd name="adj2" fmla="val -311477"/>
-              <a:gd name="adj3" fmla="val 16667"/>
-            </a:avLst>
-          </a:prstGeom>
-          <a:noFill/>
-          <a:ln w="12700" cmpd="sng">
-            <a:solidFill>
-              <a:srgbClr val="0080FF"/>
-            </a:solidFill>
-          </a:ln>
-          <a:effectLst/>
-        </p:spPr>
-        <p:style>
-          <a:lnRef idx="1">
-            <a:schemeClr val="accent1"/>
-          </a:lnRef>
-          <a:fillRef idx="3">
-            <a:schemeClr val="accent1"/>
-          </a:fillRef>
-          <a:effectRef idx="2">
-            <a:schemeClr val="accent1"/>
-          </a:effectRef>
-          <a:fontRef idx="minor">
-            <a:schemeClr val="lt1"/>
-          </a:fontRef>
-        </p:style>
-        <p:txBody>
-          <a:bodyPr rtlCol="0" anchor="ctr"/>
-          <a:lstStyle/>
-          <a:p>
-            <a:pPr algn="ctr"/>
-            <a:r>
-              <a:rPr kumimoji="1" lang="en-US" altLang="zh-CN" sz="1400" dirty="0" err="1">
-                <a:solidFill>
-                  <a:srgbClr val="3366FF"/>
-                </a:solidFill>
-                <a:latin typeface="微软雅黑"/>
-                <a:ea typeface="微软雅黑"/>
-                <a:cs typeface="微软雅黑"/>
-              </a:rPr>
-              <a:t>verisign</a:t>
-            </a:r>
-            <a:r>
-              <a:rPr kumimoji="1" lang="zh-CN" altLang="en-US" sz="1400" dirty="0">
-                <a:solidFill>
-                  <a:srgbClr val="3366FF"/>
-                </a:solidFill>
-                <a:latin typeface="微软雅黑"/>
-                <a:ea typeface="微软雅黑"/>
-                <a:cs typeface="微软雅黑"/>
-              </a:rPr>
-              <a:t>.</a:t>
-            </a:r>
-            <a:r>
-              <a:rPr kumimoji="1" lang="en-US" altLang="zh-CN" sz="1400" dirty="0">
-                <a:solidFill>
-                  <a:srgbClr val="3366FF"/>
-                </a:solidFill>
-                <a:latin typeface="微软雅黑"/>
-                <a:ea typeface="微软雅黑"/>
-                <a:cs typeface="微软雅黑"/>
-              </a:rPr>
-              <a:t>com</a:t>
-            </a:r>
-            <a:r>
-              <a:rPr kumimoji="1" lang="zh-CN" altLang="en-US" sz="1400" dirty="0">
-                <a:solidFill>
-                  <a:srgbClr val="3366FF"/>
-                </a:solidFill>
-                <a:latin typeface="微软雅黑"/>
-                <a:ea typeface="微软雅黑"/>
-                <a:cs typeface="微软雅黑"/>
-              </a:rPr>
-              <a:t> </a:t>
-            </a:r>
-            <a:r>
-              <a:rPr kumimoji="1" lang="en-US" altLang="zh-CN" sz="1400" dirty="0">
-                <a:solidFill>
-                  <a:srgbClr val="3366FF"/>
-                </a:solidFill>
-                <a:latin typeface="微软雅黑"/>
-                <a:ea typeface="微软雅黑"/>
-                <a:cs typeface="微软雅黑"/>
-              </a:rPr>
-              <a:t>ZSK</a:t>
-            </a:r>
-          </a:p>
-        </p:txBody>
-      </p:sp>
-      <p:sp>
-        <p:nvSpPr>
-          <p:cNvPr id="23" name="圆角矩形标注 22"/>
-          <p:cNvSpPr/>
-          <p:nvPr/>
-        </p:nvSpPr>
-        <p:spPr>
-          <a:xfrm>
-            <a:off x="8279063" y="4259173"/>
-            <a:ext cx="815474" cy="417097"/>
-          </a:xfrm>
-          <a:prstGeom prst="wedgeRoundRectCallout">
-            <a:avLst>
-              <a:gd name="adj1" fmla="val -148972"/>
-              <a:gd name="adj2" fmla="val 74969"/>
-              <a:gd name="adj3" fmla="val 16667"/>
-            </a:avLst>
-          </a:prstGeom>
-          <a:noFill/>
-          <a:ln w="12700" cmpd="sng">
-            <a:solidFill>
-              <a:srgbClr val="0080FF"/>
-            </a:solidFill>
-          </a:ln>
-          <a:effectLst/>
-        </p:spPr>
-        <p:style>
-          <a:lnRef idx="1">
-            <a:schemeClr val="accent1"/>
-          </a:lnRef>
-          <a:fillRef idx="3">
-            <a:schemeClr val="accent1"/>
-          </a:fillRef>
-          <a:effectRef idx="2">
-            <a:schemeClr val="accent1"/>
-          </a:effectRef>
-          <a:fontRef idx="minor">
-            <a:schemeClr val="lt1"/>
-          </a:fontRef>
-        </p:style>
-        <p:txBody>
-          <a:bodyPr rtlCol="0" anchor="ctr"/>
-          <a:lstStyle/>
-          <a:p>
-            <a:pPr algn="ctr"/>
-            <a:r>
-              <a:rPr kumimoji="1" lang="en-US" altLang="zh-CN" sz="1400" dirty="0">
-                <a:solidFill>
-                  <a:srgbClr val="3366FF"/>
-                </a:solidFill>
-                <a:latin typeface="微软雅黑"/>
-                <a:ea typeface="微软雅黑"/>
-                <a:cs typeface="微软雅黑"/>
-              </a:rPr>
-              <a:t>.com</a:t>
-            </a:r>
-            <a:r>
-              <a:rPr kumimoji="1" lang="zh-CN" altLang="en-US" sz="1400" dirty="0">
-                <a:solidFill>
-                  <a:srgbClr val="3366FF"/>
-                </a:solidFill>
-                <a:latin typeface="微软雅黑"/>
-                <a:ea typeface="微软雅黑"/>
-                <a:cs typeface="微软雅黑"/>
-              </a:rPr>
-              <a:t> </a:t>
-            </a:r>
-            <a:r>
-              <a:rPr kumimoji="1" lang="en-US" altLang="zh-CN" sz="1400" dirty="0">
-                <a:solidFill>
-                  <a:srgbClr val="3366FF"/>
-                </a:solidFill>
-                <a:latin typeface="微软雅黑"/>
-                <a:ea typeface="微软雅黑"/>
-                <a:cs typeface="微软雅黑"/>
-              </a:rPr>
-              <a:t>KSK</a:t>
-            </a:r>
-          </a:p>
-        </p:txBody>
-      </p:sp>
-      <p:sp>
-        <p:nvSpPr>
-          <p:cNvPr id="24" name="圆角矩形标注 23"/>
-          <p:cNvSpPr/>
-          <p:nvPr/>
-        </p:nvSpPr>
-        <p:spPr>
-          <a:xfrm>
-            <a:off x="8279063" y="3649578"/>
-            <a:ext cx="815474" cy="417097"/>
-          </a:xfrm>
-          <a:prstGeom prst="wedgeRoundRectCallout">
-            <a:avLst>
-              <a:gd name="adj1" fmla="val -139136"/>
-              <a:gd name="adj2" fmla="val 135866"/>
-              <a:gd name="adj3" fmla="val 16667"/>
-            </a:avLst>
-          </a:prstGeom>
-          <a:noFill/>
-          <a:ln w="12700" cmpd="sng">
-            <a:solidFill>
-              <a:srgbClr val="0080FF"/>
-            </a:solidFill>
-          </a:ln>
-          <a:effectLst/>
-        </p:spPr>
-        <p:style>
-          <a:lnRef idx="1">
-            <a:schemeClr val="accent1"/>
-          </a:lnRef>
-          <a:fillRef idx="3">
-            <a:schemeClr val="accent1"/>
-          </a:fillRef>
-          <a:effectRef idx="2">
-            <a:schemeClr val="accent1"/>
-          </a:effectRef>
-          <a:fontRef idx="minor">
-            <a:schemeClr val="lt1"/>
-          </a:fontRef>
-        </p:style>
-        <p:txBody>
-          <a:bodyPr rtlCol="0" anchor="ctr"/>
-          <a:lstStyle/>
-          <a:p>
-            <a:pPr algn="ctr"/>
-            <a:r>
-              <a:rPr kumimoji="1" lang="en-US" altLang="zh-CN" sz="1400" dirty="0">
-                <a:solidFill>
-                  <a:srgbClr val="3366FF"/>
-                </a:solidFill>
-                <a:latin typeface="微软雅黑"/>
-                <a:ea typeface="微软雅黑"/>
-                <a:cs typeface="微软雅黑"/>
-              </a:rPr>
-              <a:t>.com</a:t>
-            </a:r>
-            <a:r>
-              <a:rPr kumimoji="1" lang="zh-CN" altLang="en-US" sz="1400" dirty="0">
-                <a:solidFill>
-                  <a:srgbClr val="3366FF"/>
-                </a:solidFill>
-                <a:latin typeface="微软雅黑"/>
-                <a:ea typeface="微软雅黑"/>
-                <a:cs typeface="微软雅黑"/>
-              </a:rPr>
-              <a:t> </a:t>
-            </a:r>
-            <a:r>
-              <a:rPr kumimoji="1" lang="zh-CN" altLang="zh-CN" sz="1400" dirty="0">
-                <a:solidFill>
-                  <a:srgbClr val="3366FF"/>
-                </a:solidFill>
-                <a:latin typeface="微软雅黑"/>
-                <a:ea typeface="微软雅黑"/>
-                <a:cs typeface="微软雅黑"/>
-              </a:rPr>
-              <a:t>K</a:t>
-            </a:r>
-            <a:r>
-              <a:rPr kumimoji="1" lang="en-US" altLang="zh-CN" sz="1400" dirty="0">
-                <a:solidFill>
-                  <a:srgbClr val="3366FF"/>
-                </a:solidFill>
-                <a:latin typeface="微软雅黑"/>
-                <a:ea typeface="微软雅黑"/>
-                <a:cs typeface="微软雅黑"/>
-              </a:rPr>
-              <a:t>SK</a:t>
-            </a:r>
-          </a:p>
-        </p:txBody>
-      </p:sp>
-      <p:sp>
-        <p:nvSpPr>
-          <p:cNvPr id="25" name="圆角矩形标注 24"/>
-          <p:cNvSpPr/>
-          <p:nvPr/>
-        </p:nvSpPr>
-        <p:spPr>
-          <a:xfrm>
-            <a:off x="7372683" y="5601368"/>
-            <a:ext cx="1610896" cy="417097"/>
-          </a:xfrm>
-          <a:prstGeom prst="wedgeRoundRectCallout">
-            <a:avLst>
-              <a:gd name="adj1" fmla="val -58454"/>
-              <a:gd name="adj2" fmla="val -168620"/>
-              <a:gd name="adj3" fmla="val 16667"/>
-            </a:avLst>
-          </a:prstGeom>
-          <a:noFill/>
-          <a:ln w="12700" cmpd="sng">
-            <a:solidFill>
-              <a:srgbClr val="0080FF"/>
-            </a:solidFill>
-          </a:ln>
-          <a:effectLst/>
-        </p:spPr>
-        <p:style>
-          <a:lnRef idx="1">
-            <a:schemeClr val="accent1"/>
-          </a:lnRef>
-          <a:fillRef idx="3">
-            <a:schemeClr val="accent1"/>
-          </a:fillRef>
-          <a:effectRef idx="2">
-            <a:schemeClr val="accent1"/>
-          </a:effectRef>
-          <a:fontRef idx="minor">
-            <a:schemeClr val="lt1"/>
-          </a:fontRef>
-        </p:style>
-        <p:txBody>
-          <a:bodyPr rtlCol="0" anchor="ctr"/>
-          <a:lstStyle/>
-          <a:p>
-            <a:pPr algn="ctr"/>
-            <a:r>
-              <a:rPr kumimoji="1" lang="en-US" altLang="zh-CN" sz="1400" dirty="0">
-                <a:solidFill>
-                  <a:srgbClr val="3366FF"/>
-                </a:solidFill>
-                <a:latin typeface="微软雅黑"/>
-                <a:ea typeface="微软雅黑"/>
-                <a:cs typeface="微软雅黑"/>
-              </a:rPr>
-              <a:t>.</a:t>
-            </a:r>
-            <a:r>
-              <a:rPr kumimoji="1" lang="en-US" altLang="zh-CN" sz="1400" dirty="0" err="1">
-                <a:solidFill>
-                  <a:srgbClr val="3366FF"/>
-                </a:solidFill>
-                <a:latin typeface="微软雅黑"/>
-                <a:ea typeface="微软雅黑"/>
-                <a:cs typeface="微软雅黑"/>
-              </a:rPr>
-              <a:t>verisign</a:t>
-            </a:r>
-            <a:r>
-              <a:rPr kumimoji="1" lang="zh-CN" altLang="en-US" sz="1400" dirty="0">
-                <a:solidFill>
-                  <a:srgbClr val="3366FF"/>
-                </a:solidFill>
-                <a:latin typeface="微软雅黑"/>
-                <a:ea typeface="微软雅黑"/>
-                <a:cs typeface="微软雅黑"/>
-              </a:rPr>
-              <a:t>.</a:t>
-            </a:r>
-            <a:r>
-              <a:rPr kumimoji="1" lang="en-US" altLang="zh-CN" sz="1400" dirty="0">
-                <a:solidFill>
-                  <a:srgbClr val="3366FF"/>
-                </a:solidFill>
-                <a:latin typeface="微软雅黑"/>
-                <a:ea typeface="微软雅黑"/>
-                <a:cs typeface="微软雅黑"/>
-              </a:rPr>
-              <a:t>com</a:t>
-            </a:r>
-            <a:r>
-              <a:rPr kumimoji="1" lang="zh-CN" altLang="en-US" sz="1400" dirty="0">
-                <a:solidFill>
-                  <a:srgbClr val="3366FF"/>
-                </a:solidFill>
-                <a:latin typeface="微软雅黑"/>
-                <a:ea typeface="微软雅黑"/>
-                <a:cs typeface="微软雅黑"/>
-              </a:rPr>
-              <a:t> </a:t>
-            </a:r>
-            <a:r>
-              <a:rPr kumimoji="1" lang="en-US" altLang="zh-CN" sz="1400" dirty="0">
-                <a:solidFill>
-                  <a:srgbClr val="3366FF"/>
-                </a:solidFill>
-                <a:latin typeface="微软雅黑"/>
-                <a:ea typeface="微软雅黑"/>
-                <a:cs typeface="微软雅黑"/>
-              </a:rPr>
-              <a:t>KSK</a:t>
-            </a:r>
-          </a:p>
-        </p:txBody>
-      </p:sp>
-      <p:sp>
-        <p:nvSpPr>
-          <p:cNvPr id="26" name="圆角矩形标注 25"/>
-          <p:cNvSpPr/>
-          <p:nvPr/>
-        </p:nvSpPr>
-        <p:spPr>
-          <a:xfrm>
-            <a:off x="6553200" y="1701357"/>
-            <a:ext cx="2397876" cy="1136306"/>
-          </a:xfrm>
-          <a:prstGeom prst="wedgeRoundRectCallout">
-            <a:avLst>
-              <a:gd name="adj1" fmla="val -60756"/>
-              <a:gd name="adj2" fmla="val -4835"/>
-              <a:gd name="adj3" fmla="val 16667"/>
-            </a:avLst>
-          </a:prstGeom>
-          <a:noFill/>
-          <a:ln w="12700" cmpd="sng">
-            <a:solidFill>
-              <a:srgbClr val="0080FF"/>
-            </a:solidFill>
-          </a:ln>
-          <a:effectLst/>
-        </p:spPr>
-        <p:style>
-          <a:lnRef idx="1">
-            <a:schemeClr val="accent1"/>
-          </a:lnRef>
-          <a:fillRef idx="3">
-            <a:schemeClr val="accent1"/>
-          </a:fillRef>
-          <a:effectRef idx="2">
-            <a:schemeClr val="accent1"/>
-          </a:effectRef>
-          <a:fontRef idx="minor">
-            <a:schemeClr val="lt1"/>
-          </a:fontRef>
-        </p:style>
-        <p:txBody>
-          <a:bodyPr rtlCol="0" anchor="ctr"/>
-          <a:lstStyle/>
-          <a:p>
-            <a:r>
-              <a:rPr kumimoji="1" lang="zh-CN" altLang="en-US" sz="2400" dirty="0">
-                <a:solidFill>
-                  <a:srgbClr val="3366FF"/>
-                </a:solidFill>
-                <a:latin typeface="微软雅黑"/>
-                <a:ea typeface="微软雅黑"/>
-                <a:cs typeface="微软雅黑"/>
-              </a:rPr>
-              <a:t>可见验证过程是自顶向下的</a:t>
-            </a:r>
-            <a:r>
-              <a:rPr kumimoji="1" lang="en-US" altLang="zh-CN" sz="2400" dirty="0">
-                <a:solidFill>
-                  <a:srgbClr val="3366FF"/>
-                </a:solidFill>
-                <a:latin typeface="微软雅黑"/>
-                <a:ea typeface="微软雅黑"/>
-                <a:cs typeface="微软雅黑"/>
-              </a:rPr>
-              <a:t>(top-down)</a:t>
-            </a:r>
-          </a:p>
-        </p:txBody>
-      </p:sp>
-    </p:spTree>
-    <p:custDataLst>
-      <p:tags r:id="rId1"/>
-    </p:custDataLst>
-    <p:extLst>
-      <p:ext uri="{BB962C8B-B14F-4D97-AF65-F5344CB8AC3E}">
-        <p14:creationId xmlns:p14="http://schemas.microsoft.com/office/powerpoint/2010/main" val="1088301325"/>
-      </p:ext>
-    </p:extLst>
-  </p:cSld>
-  <p:clrMapOvr>
-    <a:masterClrMapping/>
-  </p:clrMapOvr>
-  <p:timing>
-    <p:tnLst>
-      <p:par>
-        <p:cTn id="1" dur="indefinite" restart="never" nodeType="tmRoot">
-          <p:childTnLst>
-            <p:seq concurrent="1" nextAc="seek">
-              <p:cTn id="2" dur="indefinite" nodeType="mainSeq">
-                <p:childTnLst>
-                  <p:par>
-                    <p:cTn id="3" fill="hold">
-                      <p:stCondLst>
-                        <p:cond delay="indefinite"/>
-                      </p:stCondLst>
-                      <p:childTnLst>
-                        <p:par>
-                          <p:cTn id="4" fill="hold">
-                            <p:stCondLst>
-                              <p:cond delay="0"/>
-                            </p:stCondLst>
-                            <p:childTnLst>
-                              <p:par>
-                                <p:cTn id="5" presetID="1" presetClass="entr" presetSubtype="0" fill="hold" grpId="0" nodeType="clickEffect">
-                                  <p:stCondLst>
-                                    <p:cond delay="0"/>
-                                  </p:stCondLst>
-                                  <p:childTnLst>
-                                    <p:set>
-                                      <p:cBhvr>
-                                        <p:cTn id="6" dur="1" fill="hold">
-                                          <p:stCondLst>
-                                            <p:cond delay="0"/>
-                                          </p:stCondLst>
-                                        </p:cTn>
-                                        <p:tgtEl>
-                                          <p:spTgt spid="21"/>
-                                        </p:tgtEl>
-                                        <p:attrNameLst>
-                                          <p:attrName>style.visibility</p:attrName>
-                                        </p:attrNameLst>
-                                      </p:cBhvr>
-                                      <p:to>
-                                        <p:strVal val="visible"/>
-                                      </p:to>
-                                    </p:set>
-                                  </p:childTnLst>
-                                </p:cTn>
-                              </p:par>
-                            </p:childTnLst>
-                          </p:cTn>
-                        </p:par>
-                      </p:childTnLst>
-                    </p:cTn>
-                  </p:par>
-                  <p:par>
-                    <p:cTn id="7" fill="hold">
-                      <p:stCondLst>
-                        <p:cond delay="indefinite"/>
-                      </p:stCondLst>
-                      <p:childTnLst>
-                        <p:par>
-                          <p:cTn id="8" fill="hold">
-                            <p:stCondLst>
-                              <p:cond delay="0"/>
-                            </p:stCondLst>
-                            <p:childTnLst>
-                              <p:par>
-                                <p:cTn id="9" presetID="1" presetClass="entr" presetSubtype="0" fill="hold" grpId="0" nodeType="clickEffect">
-                                  <p:stCondLst>
-                                    <p:cond delay="0"/>
-                                  </p:stCondLst>
-                                  <p:childTnLst>
-                                    <p:set>
-                                      <p:cBhvr>
-                                        <p:cTn id="10" dur="1" fill="hold">
-                                          <p:stCondLst>
-                                            <p:cond delay="0"/>
-                                          </p:stCondLst>
-                                        </p:cTn>
-                                        <p:tgtEl>
-                                          <p:spTgt spid="24"/>
-                                        </p:tgtEl>
-                                        <p:attrNameLst>
-                                          <p:attrName>style.visibility</p:attrName>
-                                        </p:attrNameLst>
-                                      </p:cBhvr>
-                                      <p:to>
-                                        <p:strVal val="visible"/>
-                                      </p:to>
-                                    </p:set>
-                                  </p:childTnLst>
-                                </p:cTn>
-                              </p:par>
-                            </p:childTnLst>
-                          </p:cTn>
-                        </p:par>
-                      </p:childTnLst>
-                    </p:cTn>
-                  </p:par>
-                  <p:par>
-                    <p:cTn id="11" fill="hold">
-                      <p:stCondLst>
-                        <p:cond delay="indefinite"/>
-                      </p:stCondLst>
-                      <p:childTnLst>
-                        <p:par>
-                          <p:cTn id="12" fill="hold">
-                            <p:stCondLst>
-                              <p:cond delay="0"/>
-                            </p:stCondLst>
-                            <p:childTnLst>
-                              <p:par>
-                                <p:cTn id="13" presetID="1" presetClass="entr" presetSubtype="0" fill="hold" grpId="0" nodeType="clickEffect">
-                                  <p:stCondLst>
-                                    <p:cond delay="0"/>
-                                  </p:stCondLst>
-                                  <p:childTnLst>
-                                    <p:set>
-                                      <p:cBhvr>
-                                        <p:cTn id="14" dur="1" fill="hold">
-                                          <p:stCondLst>
-                                            <p:cond delay="0"/>
-                                          </p:stCondLst>
-                                        </p:cTn>
-                                        <p:tgtEl>
-                                          <p:spTgt spid="23"/>
-                                        </p:tgtEl>
-                                        <p:attrNameLst>
-                                          <p:attrName>style.visibility</p:attrName>
-                                        </p:attrNameLst>
-                                      </p:cBhvr>
-                                      <p:to>
-                                        <p:strVal val="visible"/>
-                                      </p:to>
-                                    </p:set>
-                                  </p:childTnLst>
-                                </p:cTn>
-                              </p:par>
-                            </p:childTnLst>
-                          </p:cTn>
-                        </p:par>
-                      </p:childTnLst>
-                    </p:cTn>
-                  </p:par>
-                  <p:par>
-                    <p:cTn id="15" fill="hold">
-                      <p:stCondLst>
-                        <p:cond delay="indefinite"/>
-                      </p:stCondLst>
-                      <p:childTnLst>
-                        <p:par>
-                          <p:cTn id="16" fill="hold">
-                            <p:stCondLst>
-                              <p:cond delay="0"/>
-                            </p:stCondLst>
-                            <p:childTnLst>
-                              <p:par>
-                                <p:cTn id="17" presetID="1" presetClass="entr" presetSubtype="0" fill="hold" grpId="0" nodeType="clickEffect">
-                                  <p:stCondLst>
-                                    <p:cond delay="0"/>
-                                  </p:stCondLst>
-                                  <p:childTnLst>
-                                    <p:set>
-                                      <p:cBhvr>
-                                        <p:cTn id="18" dur="1" fill="hold">
-                                          <p:stCondLst>
-                                            <p:cond delay="0"/>
-                                          </p:stCondLst>
-                                        </p:cTn>
-                                        <p:tgtEl>
-                                          <p:spTgt spid="25"/>
-                                        </p:tgtEl>
-                                        <p:attrNameLst>
-                                          <p:attrName>style.visibility</p:attrName>
-                                        </p:attrNameLst>
-                                      </p:cBhvr>
-                                      <p:to>
-                                        <p:strVal val="visible"/>
-                                      </p:to>
-                                    </p:set>
-                                  </p:childTnLst>
-                                </p:cTn>
-                              </p:par>
-                            </p:childTnLst>
-                          </p:cTn>
-                        </p:par>
-                      </p:childTnLst>
-                    </p:cTn>
-                  </p:par>
-                  <p:par>
-                    <p:cTn id="19" fill="hold">
-                      <p:stCondLst>
-                        <p:cond delay="indefinite"/>
-                      </p:stCondLst>
-                      <p:childTnLst>
-                        <p:par>
-                          <p:cTn id="20" fill="hold">
-                            <p:stCondLst>
-                              <p:cond delay="0"/>
-                            </p:stCondLst>
-                            <p:childTnLst>
-                              <p:par>
-                                <p:cTn id="21" presetID="1" presetClass="entr" presetSubtype="0" fill="hold" grpId="0" nodeType="clickEffect">
-                                  <p:stCondLst>
-                                    <p:cond delay="0"/>
-                                  </p:stCondLst>
-                                  <p:childTnLst>
-                                    <p:set>
-                                      <p:cBhvr>
-                                        <p:cTn id="22" dur="1" fill="hold">
-                                          <p:stCondLst>
-                                            <p:cond delay="0"/>
-                                          </p:stCondLst>
-                                        </p:cTn>
-                                        <p:tgtEl>
-                                          <p:spTgt spid="22"/>
-                                        </p:tgtEl>
-                                        <p:attrNameLst>
-                                          <p:attrName>style.visibility</p:attrName>
-                                        </p:attrNameLst>
-                                      </p:cBhvr>
-                                      <p:to>
-                                        <p:strVal val="visible"/>
-                                      </p:to>
-                                    </p:set>
-                                  </p:childTnLst>
-                                </p:cTn>
-                              </p:par>
-                            </p:childTnLst>
-                          </p:cTn>
-                        </p:par>
-                      </p:childTnLst>
-                    </p:cTn>
-                  </p:par>
-                  <p:par>
-                    <p:cTn id="23" fill="hold">
-                      <p:stCondLst>
-                        <p:cond delay="indefinite"/>
-                      </p:stCondLst>
-                      <p:childTnLst>
-                        <p:par>
-                          <p:cTn id="24" fill="hold">
-                            <p:stCondLst>
-                              <p:cond delay="0"/>
-                            </p:stCondLst>
-                            <p:childTnLst>
-                              <p:par>
-                                <p:cTn id="25" presetID="1" presetClass="entr" presetSubtype="0" fill="hold" grpId="0" nodeType="clickEffect">
-                                  <p:stCondLst>
-                                    <p:cond delay="0"/>
-                                  </p:stCondLst>
-                                  <p:childTnLst>
-                                    <p:set>
-                                      <p:cBhvr>
-                                        <p:cTn id="26" dur="1" fill="hold">
-                                          <p:stCondLst>
-                                            <p:cond delay="0"/>
-                                          </p:stCondLst>
-                                        </p:cTn>
-                                        <p:tgtEl>
-                                          <p:spTgt spid="26"/>
-                                        </p:tgtEl>
-                                        <p:attrNameLst>
-                                          <p:attrName>style.visibility</p:attrName>
-                                        </p:attrNameLst>
-                                      </p:cBhvr>
-                                      <p:to>
-                                        <p:strVal val="visible"/>
-                                      </p:to>
-                                    </p:set>
-                                  </p:childTnLst>
-                                </p:cTn>
-                              </p:par>
-                            </p:childTnLst>
-                          </p:cTn>
-                        </p:par>
-                      </p:childTnLst>
-                    </p:cTn>
-                  </p:par>
-                </p:childTnLst>
-              </p:cTn>
-              <p:prevCondLst>
-                <p:cond evt="onPrev" delay="0">
-                  <p:tgtEl>
-                    <p:sldTgt/>
-                  </p:tgtEl>
-                </p:cond>
-              </p:prevCondLst>
-              <p:nextCondLst>
-                <p:cond evt="onNext" delay="0">
-                  <p:tgtEl>
-                    <p:sldTgt/>
-                  </p:tgtEl>
-                </p:cond>
-              </p:nextCondLst>
-            </p:seq>
-          </p:childTnLst>
-        </p:cTn>
-      </p:par>
-    </p:tnLst>
-    <p:bldLst>
-      <p:bldP spid="21" grpId="0" animBg="1"/>
-      <p:bldP spid="22" grpId="0" animBg="1"/>
-      <p:bldP spid="23" grpId="0" animBg="1"/>
-      <p:bldP spid="24" grpId="0" animBg="1"/>
-      <p:bldP spid="25" grpId="0" animBg="1"/>
-      <p:bldP spid="26" grpId="0" animBg="1"/>
-    </p:bldLst>
-  </p:timing>
-</p:sld>
-</file>
-
 <file path=ppt/tags/tag1.xml><?xml version="1.0" encoding="utf-8"?>
 <p:tagLst xmlns:a="http://schemas.openxmlformats.org/drawingml/2006/main" xmlns:r="http://schemas.openxmlformats.org/officeDocument/2006/relationships" xmlns:p="http://schemas.openxmlformats.org/presentationml/2006/main">
   <p:tag name="TIMING" val="|10.8|6.3|6.9|6.9|2.3|4.8|3.4|5.2|9.2|2.6|13.6"/>
